--- a/flowchart_source.pptx
+++ b/flowchart_source.pptx
@@ -104,6 +104,11 @@
       </a:defRPr>
     </a:lvl9pPr>
   </p:defaultTextStyle>
+  <p:extLst>
+    <p:ext uri="{EFAFB233-063F-42B5-8137-9DF3F51BA10A}">
+      <p15:sldGuideLst xmlns:p15="http://schemas.microsoft.com/office/powerpoint/2012/main"/>
+    </p:ext>
+  </p:extLst>
 </p:presentation>
 </file>
 
@@ -238,7 +243,7 @@
           <a:p>
             <a:fld id="{5180AEFF-6FE7-1C42-A1B8-D5A873E23171}" type="datetimeFigureOut">
               <a:rPr lang="en-US" smtClean="0"/>
-              <a:t>4/16/18</a:t>
+              <a:t>4/17/18</a:t>
             </a:fld>
             <a:endParaRPr lang="en-US"/>
           </a:p>
@@ -408,7 +413,7 @@
           <a:p>
             <a:fld id="{5180AEFF-6FE7-1C42-A1B8-D5A873E23171}" type="datetimeFigureOut">
               <a:rPr lang="en-US" smtClean="0"/>
-              <a:t>4/16/18</a:t>
+              <a:t>4/17/18</a:t>
             </a:fld>
             <a:endParaRPr lang="en-US"/>
           </a:p>
@@ -588,7 +593,7 @@
           <a:p>
             <a:fld id="{5180AEFF-6FE7-1C42-A1B8-D5A873E23171}" type="datetimeFigureOut">
               <a:rPr lang="en-US" smtClean="0"/>
-              <a:t>4/16/18</a:t>
+              <a:t>4/17/18</a:t>
             </a:fld>
             <a:endParaRPr lang="en-US"/>
           </a:p>
@@ -758,7 +763,7 @@
           <a:p>
             <a:fld id="{5180AEFF-6FE7-1C42-A1B8-D5A873E23171}" type="datetimeFigureOut">
               <a:rPr lang="en-US" smtClean="0"/>
-              <a:t>4/16/18</a:t>
+              <a:t>4/17/18</a:t>
             </a:fld>
             <a:endParaRPr lang="en-US"/>
           </a:p>
@@ -1004,7 +1009,7 @@
           <a:p>
             <a:fld id="{5180AEFF-6FE7-1C42-A1B8-D5A873E23171}" type="datetimeFigureOut">
               <a:rPr lang="en-US" smtClean="0"/>
-              <a:t>4/16/18</a:t>
+              <a:t>4/17/18</a:t>
             </a:fld>
             <a:endParaRPr lang="en-US"/>
           </a:p>
@@ -1236,7 +1241,7 @@
           <a:p>
             <a:fld id="{5180AEFF-6FE7-1C42-A1B8-D5A873E23171}" type="datetimeFigureOut">
               <a:rPr lang="en-US" smtClean="0"/>
-              <a:t>4/16/18</a:t>
+              <a:t>4/17/18</a:t>
             </a:fld>
             <a:endParaRPr lang="en-US"/>
           </a:p>
@@ -1603,7 +1608,7 @@
           <a:p>
             <a:fld id="{5180AEFF-6FE7-1C42-A1B8-D5A873E23171}" type="datetimeFigureOut">
               <a:rPr lang="en-US" smtClean="0"/>
-              <a:t>4/16/18</a:t>
+              <a:t>4/17/18</a:t>
             </a:fld>
             <a:endParaRPr lang="en-US"/>
           </a:p>
@@ -1721,7 +1726,7 @@
           <a:p>
             <a:fld id="{5180AEFF-6FE7-1C42-A1B8-D5A873E23171}" type="datetimeFigureOut">
               <a:rPr lang="en-US" smtClean="0"/>
-              <a:t>4/16/18</a:t>
+              <a:t>4/17/18</a:t>
             </a:fld>
             <a:endParaRPr lang="en-US"/>
           </a:p>
@@ -1816,7 +1821,7 @@
           <a:p>
             <a:fld id="{5180AEFF-6FE7-1C42-A1B8-D5A873E23171}" type="datetimeFigureOut">
               <a:rPr lang="en-US" smtClean="0"/>
-              <a:t>4/16/18</a:t>
+              <a:t>4/17/18</a:t>
             </a:fld>
             <a:endParaRPr lang="en-US"/>
           </a:p>
@@ -2093,7 +2098,7 @@
           <a:p>
             <a:fld id="{5180AEFF-6FE7-1C42-A1B8-D5A873E23171}" type="datetimeFigureOut">
               <a:rPr lang="en-US" smtClean="0"/>
-              <a:t>4/16/18</a:t>
+              <a:t>4/17/18</a:t>
             </a:fld>
             <a:endParaRPr lang="en-US"/>
           </a:p>
@@ -2346,7 +2351,7 @@
           <a:p>
             <a:fld id="{5180AEFF-6FE7-1C42-A1B8-D5A873E23171}" type="datetimeFigureOut">
               <a:rPr lang="en-US" smtClean="0"/>
-              <a:t>4/16/18</a:t>
+              <a:t>4/17/18</a:t>
             </a:fld>
             <a:endParaRPr lang="en-US"/>
           </a:p>
@@ -2559,7 +2564,7 @@
           <a:p>
             <a:fld id="{5180AEFF-6FE7-1C42-A1B8-D5A873E23171}" type="datetimeFigureOut">
               <a:rPr lang="en-US" smtClean="0"/>
-              <a:t>4/16/18</a:t>
+              <a:t>4/17/18</a:t>
             </a:fld>
             <a:endParaRPr lang="en-US"/>
           </a:p>
@@ -3185,20 +3190,8 @@
           <a:p>
             <a:pPr algn="ctr"/>
             <a:r>
-              <a:rPr lang="en-US" sz="1700" dirty="0" smtClean="0"/>
-              <a:t>sub_</a:t>
-            </a:r>
-            <a:r>
-              <a:rPr lang="en-US" sz="1700" dirty="0" smtClean="0"/>
-              <a:t> </a:t>
-            </a:r>
-            <a:r>
               <a:rPr lang="en-US" sz="1700" dirty="0" err="1" smtClean="0"/>
-              <a:t>adj_list</a:t>
-            </a:r>
-            <a:r>
-              <a:rPr lang="en-US" sz="1700" dirty="0" err="1" smtClean="0"/>
-              <a:t>.py</a:t>
+              <a:t>adj_list_sub.py</a:t>
             </a:r>
             <a:endParaRPr lang="en-US" sz="1700" dirty="0"/>
           </a:p>
@@ -3248,19 +3241,7 @@
             <a:pPr algn="ctr"/>
             <a:r>
               <a:rPr lang="en-US" sz="1700" dirty="0" err="1" smtClean="0"/>
-              <a:t>sub_</a:t>
-            </a:r>
-            <a:r>
-              <a:rPr lang="en-US" sz="1700" dirty="0" err="1" smtClean="0"/>
-              <a:t>duty_list</a:t>
-            </a:r>
-            <a:r>
-              <a:rPr lang="en-US" sz="1700" dirty="0" err="1"/>
-              <a:t>.</a:t>
-            </a:r>
-            <a:r>
-              <a:rPr lang="en-US" sz="1700" dirty="0" err="1" smtClean="0"/>
-              <a:t>py</a:t>
+              <a:t>duty_list_sub.py</a:t>
             </a:r>
             <a:endParaRPr lang="en-US" sz="1700" dirty="0"/>
           </a:p>
@@ -4435,7 +4416,7 @@
         <p:spPr>
           <a:xfrm>
             <a:off x="2408678" y="3039824"/>
-            <a:ext cx="1777025" cy="369332"/>
+            <a:ext cx="1866793" cy="369332"/>
           </a:xfrm>
           <a:prstGeom prst="rect">
             <a:avLst/>
@@ -4449,8 +4430,12 @@
           <a:lstStyle/>
           <a:p>
             <a:r>
-              <a:rPr lang="en-US" smtClean="0"/>
-              <a:t>./camera_dw_1d</a:t>
+              <a:rPr lang="en-US" dirty="0" smtClean="0"/>
+              <a:t>./</a:t>
+            </a:r>
+            <a:r>
+              <a:rPr lang="en-US" dirty="0" smtClean="0"/>
+              <a:t>camera_dw_1d/</a:t>
             </a:r>
             <a:endParaRPr lang="en-US" dirty="0"/>
           </a:p>
@@ -4465,7 +4450,7 @@
         <p:spPr>
           <a:xfrm>
             <a:off x="9494955" y="2898489"/>
-            <a:ext cx="1455398" cy="369332"/>
+            <a:ext cx="1545167" cy="369332"/>
           </a:xfrm>
           <a:prstGeom prst="rect">
             <a:avLst/>
@@ -4480,7 +4465,11 @@
           <a:p>
             <a:r>
               <a:rPr lang="en-US" dirty="0" smtClean="0"/>
-              <a:t>./kivy_dw_1d</a:t>
+              <a:t>./</a:t>
+            </a:r>
+            <a:r>
+              <a:rPr lang="en-US" dirty="0" smtClean="0"/>
+              <a:t>kivy_dw_1d/</a:t>
             </a:r>
             <a:endParaRPr lang="en-US" dirty="0"/>
           </a:p>
@@ -4502,7 +4491,7 @@
         </p:blipFill>
         <p:spPr>
           <a:xfrm>
-            <a:off x="-11320343" y="2780036"/>
+            <a:off x="-11192327" y="2809557"/>
             <a:ext cx="10375900" cy="6019800"/>
           </a:xfrm>
           <a:prstGeom prst="rect">

--- a/flowchart_source.pptx
+++ b/flowchart_source.pptx
@@ -2977,7 +2977,7 @@
         </p:nvSpPr>
         <p:spPr>
           <a:xfrm>
-            <a:off x="2711680" y="351751"/>
+            <a:off x="606353" y="151704"/>
             <a:ext cx="6896162" cy="1393498"/>
           </a:xfrm>
           <a:prstGeom prst="cloud">
@@ -3290,62 +3290,16 @@
           <a:p>
             <a:pPr algn="ctr"/>
             <a:r>
-              <a:rPr lang="en-US" sz="1700"/>
-              <a:t>k</a:t>
-            </a:r>
-            <a:r>
-              <a:rPr lang="en-US" sz="1700" smtClean="0"/>
-              <a:t>ivy.py</a:t>
-            </a:r>
-            <a:endParaRPr lang="en-US" sz="1700"/>
-          </a:p>
-        </p:txBody>
-      </p:sp>
-      <p:sp>
-        <p:nvSpPr>
-          <p:cNvPr id="14" name="Rectangle 13"/>
-          <p:cNvSpPr/>
-          <p:nvPr/>
-        </p:nvSpPr>
-        <p:spPr>
-          <a:xfrm>
-            <a:off x="4252261" y="4175051"/>
-            <a:ext cx="1440000" cy="360000"/>
-          </a:xfrm>
-          <a:prstGeom prst="rect">
-            <a:avLst/>
-          </a:prstGeom>
-          <a:solidFill>
-            <a:schemeClr val="accent6"/>
-          </a:solidFill>
-          <a:ln>
-            <a:noFill/>
-          </a:ln>
-        </p:spPr>
-        <p:style>
-          <a:lnRef idx="2">
-            <a:schemeClr val="accent1">
-              <a:shade val="50000"/>
-            </a:schemeClr>
-          </a:lnRef>
-          <a:fillRef idx="1">
-            <a:schemeClr val="accent1"/>
-          </a:fillRef>
-          <a:effectRef idx="0">
-            <a:schemeClr val="accent1"/>
-          </a:effectRef>
-          <a:fontRef idx="minor">
-            <a:schemeClr val="lt1"/>
-          </a:fontRef>
-        </p:style>
-        <p:txBody>
-          <a:bodyPr rtlCol="0" anchor="ctr"/>
-          <a:lstStyle/>
-          <a:p>
-            <a:pPr algn="ctr"/>
+              <a:rPr lang="en-US" sz="1700" dirty="0" err="1"/>
+              <a:t>s</a:t>
+            </a:r>
             <a:r>
               <a:rPr lang="en-US" sz="1700" dirty="0" err="1" smtClean="0"/>
-              <a:t>adj_list.txt</a:t>
+              <a:t>mart_lighting.</a:t>
+            </a:r>
+            <a:r>
+              <a:rPr lang="en-US" sz="1700" dirty="0" err="1" smtClean="0"/>
+              <a:t>py</a:t>
             </a:r>
             <a:endParaRPr lang="en-US" sz="1700" dirty="0"/>
           </a:p>
@@ -3620,17 +3574,19 @@
       <p:cxnSp>
         <p:nvCxnSpPr>
           <p:cNvPr id="24" name="Curved Connector 23"/>
-          <p:cNvCxnSpPr/>
+          <p:cNvCxnSpPr>
+            <a:stCxn id="27" idx="1"/>
+          </p:cNvCxnSpPr>
           <p:nvPr/>
         </p:nvCxnSpPr>
         <p:spPr>
           <a:xfrm rot="5400000">
-            <a:off x="4279918" y="2299175"/>
-            <a:ext cx="1406236" cy="1063583"/>
+            <a:off x="4175404" y="2149090"/>
+            <a:ext cx="1660836" cy="1109154"/>
           </a:xfrm>
           <a:prstGeom prst="curvedConnector3">
             <a:avLst>
-              <a:gd name="adj1" fmla="val -9823"/>
+              <a:gd name="adj1" fmla="val 50000"/>
             </a:avLst>
           </a:prstGeom>
           <a:ln w="63500">
@@ -3690,7 +3646,7 @@
         </p:nvSpPr>
         <p:spPr>
           <a:xfrm>
-            <a:off x="3772612" y="1506056"/>
+            <a:off x="1667285" y="1306009"/>
             <a:ext cx="2387149" cy="621792"/>
           </a:xfrm>
           <a:prstGeom prst="round2DiagRect">
@@ -3742,7 +3698,7 @@
         </p:nvSpPr>
         <p:spPr>
           <a:xfrm>
-            <a:off x="6472151" y="1451504"/>
+            <a:off x="4366824" y="1251457"/>
             <a:ext cx="2387149" cy="621792"/>
           </a:xfrm>
           <a:prstGeom prst="round2DiagRect">
@@ -3789,19 +3745,18 @@
       <p:cxnSp>
         <p:nvCxnSpPr>
           <p:cNvPr id="28" name="Curved Connector 27"/>
-          <p:cNvCxnSpPr>
-            <a:stCxn id="11" idx="3"/>
-            <a:endCxn id="27" idx="1"/>
-          </p:cNvCxnSpPr>
+          <p:cNvCxnSpPr/>
           <p:nvPr/>
         </p:nvCxnSpPr>
         <p:spPr>
-          <a:xfrm flipV="1">
-            <a:off x="5152261" y="2073296"/>
-            <a:ext cx="2513465" cy="3746161"/>
-          </a:xfrm>
-          <a:prstGeom prst="curvedConnector2">
-            <a:avLst/>
+          <a:xfrm rot="5400000" flipH="1" flipV="1">
+            <a:off x="3477971" y="3571472"/>
+            <a:ext cx="4058200" cy="693802"/>
+          </a:xfrm>
+          <a:prstGeom prst="curvedConnector3">
+            <a:avLst>
+              <a:gd name="adj1" fmla="val -21"/>
+            </a:avLst>
           </a:prstGeom>
           <a:ln w="63500">
             <a:tailEnd type="triangle"/>
@@ -3825,18 +3780,18 @@
       <p:cxnSp>
         <p:nvCxnSpPr>
           <p:cNvPr id="31" name="Curved Connector 30"/>
-          <p:cNvCxnSpPr/>
+          <p:cNvCxnSpPr>
+            <a:stCxn id="27" idx="0"/>
+          </p:cNvCxnSpPr>
           <p:nvPr/>
         </p:nvCxnSpPr>
         <p:spPr>
-          <a:xfrm rot="16200000" flipH="1">
-            <a:off x="6968425" y="2221956"/>
-            <a:ext cx="1260936" cy="963615"/>
-          </a:xfrm>
-          <a:prstGeom prst="curvedConnector3">
-            <a:avLst>
-              <a:gd name="adj1" fmla="val -9465"/>
-            </a:avLst>
+          <a:xfrm>
+            <a:off x="6753973" y="1562353"/>
+            <a:ext cx="1326727" cy="1771879"/>
+          </a:xfrm>
+          <a:prstGeom prst="curvedConnector2">
+            <a:avLst/>
           </a:prstGeom>
           <a:ln w="63500">
             <a:tailEnd type="triangle"/>
@@ -3899,20 +3854,18 @@
         <p:nvCxnSpPr>
           <p:cNvPr id="45" name="Curved Connector 44"/>
           <p:cNvCxnSpPr>
-            <a:stCxn id="16" idx="1"/>
             <a:endCxn id="13" idx="0"/>
           </p:cNvCxnSpPr>
           <p:nvPr/>
         </p:nvCxnSpPr>
         <p:spPr>
-          <a:xfrm rot="10800000" flipV="1">
-            <a:off x="8629341" y="4111878"/>
-            <a:ext cx="12700" cy="860857"/>
-          </a:xfrm>
-          <a:prstGeom prst="curvedConnector4">
+          <a:xfrm rot="5400000">
+            <a:off x="8584132" y="4337088"/>
+            <a:ext cx="680857" cy="590438"/>
+          </a:xfrm>
+          <a:prstGeom prst="curvedConnector3">
             <a:avLst>
-              <a:gd name="adj1" fmla="val 1944000"/>
-              <a:gd name="adj2" fmla="val 60455"/>
+              <a:gd name="adj1" fmla="val 50000"/>
             </a:avLst>
           </a:prstGeom>
           <a:ln w="63500">
@@ -3937,19 +3890,18 @@
       <p:cxnSp>
         <p:nvCxnSpPr>
           <p:cNvPr id="51" name="Curved Connector 50"/>
-          <p:cNvCxnSpPr>
-            <a:stCxn id="13" idx="1"/>
-            <a:endCxn id="26" idx="1"/>
-          </p:cNvCxnSpPr>
+          <p:cNvCxnSpPr/>
           <p:nvPr/>
         </p:nvCxnSpPr>
         <p:spPr>
-          <a:xfrm rot="10800000">
-            <a:off x="4966187" y="2127848"/>
-            <a:ext cx="2763154" cy="3024888"/>
-          </a:xfrm>
-          <a:prstGeom prst="curvedConnector2">
-            <a:avLst/>
+          <a:xfrm rot="16200000" flipV="1">
+            <a:off x="3875162" y="566028"/>
+            <a:ext cx="3044935" cy="5768481"/>
+          </a:xfrm>
+          <a:prstGeom prst="curvedConnector3">
+            <a:avLst>
+              <a:gd name="adj1" fmla="val 66216"/>
+            </a:avLst>
           </a:prstGeom>
           <a:ln w="63500">
             <a:tailEnd type="triangle"/>
@@ -4061,7 +4013,7 @@
           </a:xfrm>
           <a:prstGeom prst="curvedConnector3">
             <a:avLst>
-              <a:gd name="adj1" fmla="val 50000"/>
+              <a:gd name="adj1" fmla="val 20194"/>
             </a:avLst>
           </a:prstGeom>
           <a:ln w="63500">
@@ -4385,7 +4337,7 @@
         </p:nvSpPr>
         <p:spPr>
           <a:xfrm>
-            <a:off x="2657963" y="473526"/>
+            <a:off x="552636" y="273479"/>
             <a:ext cx="1600759" cy="369332"/>
           </a:xfrm>
           <a:prstGeom prst="rect">
@@ -4415,7 +4367,7 @@
         </p:nvSpPr>
         <p:spPr>
           <a:xfrm>
-            <a:off x="2408678" y="3039824"/>
+            <a:off x="2442237" y="2984752"/>
             <a:ext cx="1866793" cy="369332"/>
           </a:xfrm>
           <a:prstGeom prst="rect">
@@ -4431,11 +4383,7 @@
           <a:p>
             <a:r>
               <a:rPr lang="en-US" dirty="0" smtClean="0"/>
-              <a:t>./</a:t>
-            </a:r>
-            <a:r>
-              <a:rPr lang="en-US" dirty="0" smtClean="0"/>
-              <a:t>camera_dw_1d/</a:t>
+              <a:t>./camera_dw_1d/</a:t>
             </a:r>
             <a:endParaRPr lang="en-US" dirty="0"/>
           </a:p>
@@ -4449,7 +4397,7 @@
         </p:nvSpPr>
         <p:spPr>
           <a:xfrm>
-            <a:off x="9494955" y="2898489"/>
+            <a:off x="9372522" y="2893889"/>
             <a:ext cx="1545167" cy="369332"/>
           </a:xfrm>
           <a:prstGeom prst="rect">
@@ -4465,11 +4413,7 @@
           <a:p>
             <a:r>
               <a:rPr lang="en-US" dirty="0" smtClean="0"/>
-              <a:t>./</a:t>
-            </a:r>
-            <a:r>
-              <a:rPr lang="en-US" dirty="0" smtClean="0"/>
-              <a:t>kivy_dw_1d/</a:t>
+              <a:t>./kivy_dw_1d/</a:t>
             </a:r>
             <a:endParaRPr lang="en-US" dirty="0"/>
           </a:p>
@@ -4499,6 +4443,285 @@
           </a:prstGeom>
         </p:spPr>
       </p:pic>
+      <p:pic>
+        <p:nvPicPr>
+          <p:cNvPr id="2" name="Picture 1"/>
+          <p:cNvPicPr>
+            <a:picLocks noChangeAspect="1"/>
+          </p:cNvPicPr>
+          <p:nvPr/>
+        </p:nvPicPr>
+        <p:blipFill rotWithShape="1">
+          <a:blip r:embed="rId4">
+            <a:extLst>
+              <a:ext uri="{28A0092B-C50C-407E-A947-70E740481C1C}">
+                <a14:useLocalDpi xmlns:a14="http://schemas.microsoft.com/office/drawing/2010/main" val="0"/>
+              </a:ext>
+            </a:extLst>
+          </a:blip>
+          <a:srcRect l="20664" t="10185" r="20117" b="11619"/>
+          <a:stretch/>
+        </p:blipFill>
+        <p:spPr>
+          <a:xfrm>
+            <a:off x="10824103" y="260452"/>
+            <a:ext cx="938518" cy="1239271"/>
+          </a:xfrm>
+          <a:prstGeom prst="rect">
+            <a:avLst/>
+          </a:prstGeom>
+        </p:spPr>
+      </p:pic>
+      <p:cxnSp>
+        <p:nvCxnSpPr>
+          <p:cNvPr id="49" name="Curved Connector 48"/>
+          <p:cNvCxnSpPr>
+            <a:stCxn id="69" idx="1"/>
+          </p:cNvCxnSpPr>
+          <p:nvPr/>
+        </p:nvCxnSpPr>
+        <p:spPr>
+          <a:xfrm rot="5400000">
+            <a:off x="8512474" y="2457235"/>
+            <a:ext cx="3355830" cy="1675170"/>
+          </a:xfrm>
+          <a:prstGeom prst="curvedConnector3">
+            <a:avLst>
+              <a:gd name="adj1" fmla="val 91962"/>
+            </a:avLst>
+          </a:prstGeom>
+          <a:ln w="63500">
+            <a:tailEnd type="triangle"/>
+          </a:ln>
+        </p:spPr>
+        <p:style>
+          <a:lnRef idx="1">
+            <a:schemeClr val="accent1"/>
+          </a:lnRef>
+          <a:fillRef idx="0">
+            <a:schemeClr val="accent1"/>
+          </a:fillRef>
+          <a:effectRef idx="0">
+            <a:schemeClr val="accent1"/>
+          </a:effectRef>
+          <a:fontRef idx="minor">
+            <a:schemeClr val="tx1"/>
+          </a:fontRef>
+        </p:style>
+      </p:cxnSp>
+      <p:cxnSp>
+        <p:nvCxnSpPr>
+          <p:cNvPr id="60" name="Curved Connector 59"/>
+          <p:cNvCxnSpPr>
+            <a:stCxn id="10" idx="3"/>
+            <a:endCxn id="69" idx="2"/>
+          </p:cNvCxnSpPr>
+          <p:nvPr/>
+        </p:nvCxnSpPr>
+        <p:spPr>
+          <a:xfrm flipV="1">
+            <a:off x="4802604" y="1306009"/>
+            <a:ext cx="5455730" cy="2408075"/>
+          </a:xfrm>
+          <a:prstGeom prst="curvedConnector3">
+            <a:avLst>
+              <a:gd name="adj1" fmla="val 50000"/>
+            </a:avLst>
+          </a:prstGeom>
+          <a:ln w="63500">
+            <a:tailEnd type="triangle"/>
+          </a:ln>
+        </p:spPr>
+        <p:style>
+          <a:lnRef idx="1">
+            <a:schemeClr val="accent1"/>
+          </a:lnRef>
+          <a:fillRef idx="0">
+            <a:schemeClr val="accent1"/>
+          </a:fillRef>
+          <a:effectRef idx="0">
+            <a:schemeClr val="accent1"/>
+          </a:effectRef>
+          <a:fontRef idx="minor">
+            <a:schemeClr val="tx1"/>
+          </a:fontRef>
+        </p:style>
+      </p:cxnSp>
+      <p:sp>
+        <p:nvSpPr>
+          <p:cNvPr id="65" name="Round Diagonal Corner Rectangle 64"/>
+          <p:cNvSpPr/>
+          <p:nvPr/>
+        </p:nvSpPr>
+        <p:spPr>
+          <a:xfrm>
+            <a:off x="9064760" y="4515535"/>
+            <a:ext cx="2387149" cy="621792"/>
+          </a:xfrm>
+          <a:prstGeom prst="round2DiagRect">
+            <a:avLst/>
+          </a:prstGeom>
+          <a:noFill/>
+          <a:ln>
+            <a:noFill/>
+          </a:ln>
+        </p:spPr>
+        <p:style>
+          <a:lnRef idx="2">
+            <a:schemeClr val="accent1">
+              <a:shade val="50000"/>
+            </a:schemeClr>
+          </a:lnRef>
+          <a:fillRef idx="1">
+            <a:schemeClr val="accent1"/>
+          </a:fillRef>
+          <a:effectRef idx="0">
+            <a:schemeClr val="accent1"/>
+          </a:effectRef>
+          <a:fontRef idx="minor">
+            <a:schemeClr val="lt1"/>
+          </a:fontRef>
+        </p:style>
+        <p:txBody>
+          <a:bodyPr rtlCol="0" anchor="ctr"/>
+          <a:lstStyle/>
+          <a:p>
+            <a:pPr algn="ctr"/>
+            <a:r>
+              <a:rPr lang="en-US" sz="1700" dirty="0" smtClean="0">
+                <a:solidFill>
+                  <a:sysClr val="windowText" lastClr="000000"/>
+                </a:solidFill>
+              </a:rPr>
+              <a:t>during </a:t>
+            </a:r>
+            <a:r>
+              <a:rPr lang="en-US" sz="1700" dirty="0" err="1" smtClean="0">
+                <a:solidFill>
+                  <a:sysClr val="windowText" lastClr="000000"/>
+                </a:solidFill>
+              </a:rPr>
+              <a:t>init</a:t>
+            </a:r>
+            <a:endParaRPr lang="en-US" sz="1700" dirty="0">
+              <a:solidFill>
+                <a:sysClr val="windowText" lastClr="000000"/>
+              </a:solidFill>
+            </a:endParaRPr>
+          </a:p>
+        </p:txBody>
+      </p:sp>
+      <p:sp>
+        <p:nvSpPr>
+          <p:cNvPr id="14" name="Rectangle 13"/>
+          <p:cNvSpPr/>
+          <p:nvPr/>
+        </p:nvSpPr>
+        <p:spPr>
+          <a:xfrm>
+            <a:off x="4252261" y="4175051"/>
+            <a:ext cx="1440000" cy="360000"/>
+          </a:xfrm>
+          <a:prstGeom prst="rect">
+            <a:avLst/>
+          </a:prstGeom>
+          <a:solidFill>
+            <a:schemeClr val="accent6"/>
+          </a:solidFill>
+          <a:ln>
+            <a:noFill/>
+          </a:ln>
+        </p:spPr>
+        <p:style>
+          <a:lnRef idx="2">
+            <a:schemeClr val="accent1">
+              <a:shade val="50000"/>
+            </a:schemeClr>
+          </a:lnRef>
+          <a:fillRef idx="1">
+            <a:schemeClr val="accent1"/>
+          </a:fillRef>
+          <a:effectRef idx="0">
+            <a:schemeClr val="accent1"/>
+          </a:effectRef>
+          <a:fontRef idx="minor">
+            <a:schemeClr val="lt1"/>
+          </a:fontRef>
+        </p:style>
+        <p:txBody>
+          <a:bodyPr rtlCol="0" anchor="ctr"/>
+          <a:lstStyle/>
+          <a:p>
+            <a:pPr algn="ctr"/>
+            <a:r>
+              <a:rPr lang="en-US" sz="1700" dirty="0" err="1" smtClean="0"/>
+              <a:t>adj_list.txt</a:t>
+            </a:r>
+            <a:endParaRPr lang="en-US" sz="1700" dirty="0"/>
+          </a:p>
+        </p:txBody>
+      </p:sp>
+      <p:sp>
+        <p:nvSpPr>
+          <p:cNvPr id="69" name="Round Diagonal Corner Rectangle 68"/>
+          <p:cNvSpPr/>
+          <p:nvPr/>
+        </p:nvSpPr>
+        <p:spPr>
+          <a:xfrm>
+            <a:off x="10258334" y="995113"/>
+            <a:ext cx="1539280" cy="621792"/>
+          </a:xfrm>
+          <a:prstGeom prst="round2DiagRect">
+            <a:avLst/>
+          </a:prstGeom>
+          <a:ln/>
+        </p:spPr>
+        <p:style>
+          <a:lnRef idx="2">
+            <a:schemeClr val="accent2">
+              <a:shade val="50000"/>
+            </a:schemeClr>
+          </a:lnRef>
+          <a:fillRef idx="1">
+            <a:schemeClr val="accent2"/>
+          </a:fillRef>
+          <a:effectRef idx="0">
+            <a:schemeClr val="accent2"/>
+          </a:effectRef>
+          <a:fontRef idx="minor">
+            <a:schemeClr val="lt1"/>
+          </a:fontRef>
+        </p:style>
+        <p:txBody>
+          <a:bodyPr rtlCol="0" anchor="ctr"/>
+          <a:lstStyle/>
+          <a:p>
+            <a:pPr algn="ctr"/>
+            <a:r>
+              <a:rPr lang="en-US" sz="1700" dirty="0" smtClean="0">
+                <a:solidFill>
+                  <a:sysClr val="windowText" lastClr="000000"/>
+                </a:solidFill>
+              </a:rPr>
+              <a:t>list: </a:t>
+            </a:r>
+            <a:r>
+              <a:rPr lang="en-US" sz="1700" dirty="0" err="1" smtClean="0">
+                <a:solidFill>
+                  <a:sysClr val="windowText" lastClr="000000"/>
+                </a:solidFill>
+              </a:rPr>
+              <a:t>adj_list</a:t>
+            </a:r>
+            <a:endParaRPr lang="en-US" sz="1700" dirty="0">
+              <a:solidFill>
+                <a:sysClr val="windowText" lastClr="000000"/>
+              </a:solidFill>
+            </a:endParaRPr>
+          </a:p>
+        </p:txBody>
+      </p:sp>
     </p:spTree>
     <p:extLst>
       <p:ext uri="{BB962C8B-B14F-4D97-AF65-F5344CB8AC3E}">

--- a/flowchart_source.pptx
+++ b/flowchart_source.pptx
@@ -5,7 +5,8 @@
     <p:sldMasterId id="2147483648" r:id="rId1"/>
   </p:sldMasterIdLst>
   <p:sldIdLst>
-    <p:sldId id="256" r:id="rId2"/>
+    <p:sldId id="257" r:id="rId2"/>
+    <p:sldId id="256" r:id="rId3"/>
   </p:sldIdLst>
   <p:sldSz cx="12192000" cy="6858000"/>
   <p:notesSz cx="6858000" cy="9144000"/>
@@ -243,7 +244,7 @@
           <a:p>
             <a:fld id="{5180AEFF-6FE7-1C42-A1B8-D5A873E23171}" type="datetimeFigureOut">
               <a:rPr lang="en-US" smtClean="0"/>
-              <a:t>4/17/18</a:t>
+              <a:t>4/18/18</a:t>
             </a:fld>
             <a:endParaRPr lang="en-US"/>
           </a:p>
@@ -413,7 +414,7 @@
           <a:p>
             <a:fld id="{5180AEFF-6FE7-1C42-A1B8-D5A873E23171}" type="datetimeFigureOut">
               <a:rPr lang="en-US" smtClean="0"/>
-              <a:t>4/17/18</a:t>
+              <a:t>4/18/18</a:t>
             </a:fld>
             <a:endParaRPr lang="en-US"/>
           </a:p>
@@ -593,7 +594,7 @@
           <a:p>
             <a:fld id="{5180AEFF-6FE7-1C42-A1B8-D5A873E23171}" type="datetimeFigureOut">
               <a:rPr lang="en-US" smtClean="0"/>
-              <a:t>4/17/18</a:t>
+              <a:t>4/18/18</a:t>
             </a:fld>
             <a:endParaRPr lang="en-US"/>
           </a:p>
@@ -763,7 +764,7 @@
           <a:p>
             <a:fld id="{5180AEFF-6FE7-1C42-A1B8-D5A873E23171}" type="datetimeFigureOut">
               <a:rPr lang="en-US" smtClean="0"/>
-              <a:t>4/17/18</a:t>
+              <a:t>4/18/18</a:t>
             </a:fld>
             <a:endParaRPr lang="en-US"/>
           </a:p>
@@ -1009,7 +1010,7 @@
           <a:p>
             <a:fld id="{5180AEFF-6FE7-1C42-A1B8-D5A873E23171}" type="datetimeFigureOut">
               <a:rPr lang="en-US" smtClean="0"/>
-              <a:t>4/17/18</a:t>
+              <a:t>4/18/18</a:t>
             </a:fld>
             <a:endParaRPr lang="en-US"/>
           </a:p>
@@ -1241,7 +1242,7 @@
           <a:p>
             <a:fld id="{5180AEFF-6FE7-1C42-A1B8-D5A873E23171}" type="datetimeFigureOut">
               <a:rPr lang="en-US" smtClean="0"/>
-              <a:t>4/17/18</a:t>
+              <a:t>4/18/18</a:t>
             </a:fld>
             <a:endParaRPr lang="en-US"/>
           </a:p>
@@ -1608,7 +1609,7 @@
           <a:p>
             <a:fld id="{5180AEFF-6FE7-1C42-A1B8-D5A873E23171}" type="datetimeFigureOut">
               <a:rPr lang="en-US" smtClean="0"/>
-              <a:t>4/17/18</a:t>
+              <a:t>4/18/18</a:t>
             </a:fld>
             <a:endParaRPr lang="en-US"/>
           </a:p>
@@ -1726,7 +1727,7 @@
           <a:p>
             <a:fld id="{5180AEFF-6FE7-1C42-A1B8-D5A873E23171}" type="datetimeFigureOut">
               <a:rPr lang="en-US" smtClean="0"/>
-              <a:t>4/17/18</a:t>
+              <a:t>4/18/18</a:t>
             </a:fld>
             <a:endParaRPr lang="en-US"/>
           </a:p>
@@ -1821,7 +1822,7 @@
           <a:p>
             <a:fld id="{5180AEFF-6FE7-1C42-A1B8-D5A873E23171}" type="datetimeFigureOut">
               <a:rPr lang="en-US" smtClean="0"/>
-              <a:t>4/17/18</a:t>
+              <a:t>4/18/18</a:t>
             </a:fld>
             <a:endParaRPr lang="en-US"/>
           </a:p>
@@ -2098,7 +2099,7 @@
           <a:p>
             <a:fld id="{5180AEFF-6FE7-1C42-A1B8-D5A873E23171}" type="datetimeFigureOut">
               <a:rPr lang="en-US" smtClean="0"/>
-              <a:t>4/17/18</a:t>
+              <a:t>4/18/18</a:t>
             </a:fld>
             <a:endParaRPr lang="en-US"/>
           </a:p>
@@ -2351,7 +2352,7 @@
           <a:p>
             <a:fld id="{5180AEFF-6FE7-1C42-A1B8-D5A873E23171}" type="datetimeFigureOut">
               <a:rPr lang="en-US" smtClean="0"/>
-              <a:t>4/17/18</a:t>
+              <a:t>4/18/18</a:t>
             </a:fld>
             <a:endParaRPr lang="en-US"/>
           </a:p>
@@ -2564,7 +2565,7 @@
           <a:p>
             <a:fld id="{5180AEFF-6FE7-1C42-A1B8-D5A873E23171}" type="datetimeFigureOut">
               <a:rPr lang="en-US" smtClean="0"/>
-              <a:t>4/17/18</a:t>
+              <a:t>4/18/18</a:t>
             </a:fld>
             <a:endParaRPr lang="en-US"/>
           </a:p>
@@ -2969,6 +2970,1957 @@
           <a:chExt cx="0" cy="0"/>
         </a:xfrm>
       </p:grpSpPr>
+      <p:cxnSp>
+        <p:nvCxnSpPr>
+          <p:cNvPr id="4" name="Straight Connector 3"/>
+          <p:cNvCxnSpPr/>
+          <p:nvPr/>
+        </p:nvCxnSpPr>
+        <p:spPr>
+          <a:xfrm flipV="1">
+            <a:off x="5509712" y="1794490"/>
+            <a:ext cx="432342" cy="7370"/>
+          </a:xfrm>
+          <a:prstGeom prst="line">
+            <a:avLst/>
+          </a:prstGeom>
+          <a:ln w="76200">
+            <a:solidFill>
+              <a:srgbClr val="FF0000"/>
+            </a:solidFill>
+          </a:ln>
+        </p:spPr>
+        <p:style>
+          <a:lnRef idx="1">
+            <a:schemeClr val="accent1"/>
+          </a:lnRef>
+          <a:fillRef idx="0">
+            <a:schemeClr val="accent1"/>
+          </a:fillRef>
+          <a:effectRef idx="0">
+            <a:schemeClr val="accent1"/>
+          </a:effectRef>
+          <a:fontRef idx="minor">
+            <a:schemeClr val="tx1"/>
+          </a:fontRef>
+        </p:style>
+      </p:cxnSp>
+      <p:cxnSp>
+        <p:nvCxnSpPr>
+          <p:cNvPr id="5" name="Straight Connector 4"/>
+          <p:cNvCxnSpPr/>
+          <p:nvPr/>
+        </p:nvCxnSpPr>
+        <p:spPr>
+          <a:xfrm>
+            <a:off x="5525079" y="1206426"/>
+            <a:ext cx="3600000" cy="0"/>
+          </a:xfrm>
+          <a:prstGeom prst="line">
+            <a:avLst/>
+          </a:prstGeom>
+          <a:ln w="76200">
+            <a:solidFill>
+              <a:schemeClr val="accent6"/>
+            </a:solidFill>
+          </a:ln>
+        </p:spPr>
+        <p:style>
+          <a:lnRef idx="1">
+            <a:schemeClr val="accent1"/>
+          </a:lnRef>
+          <a:fillRef idx="0">
+            <a:schemeClr val="accent1"/>
+          </a:fillRef>
+          <a:effectRef idx="0">
+            <a:schemeClr val="accent1"/>
+          </a:effectRef>
+          <a:fontRef idx="minor">
+            <a:schemeClr val="tx1"/>
+          </a:fontRef>
+        </p:style>
+      </p:cxnSp>
+      <p:cxnSp>
+        <p:nvCxnSpPr>
+          <p:cNvPr id="6" name="Straight Connector 5"/>
+          <p:cNvCxnSpPr/>
+          <p:nvPr/>
+        </p:nvCxnSpPr>
+        <p:spPr>
+          <a:xfrm flipH="1" flipV="1">
+            <a:off x="5942054" y="1756070"/>
+            <a:ext cx="0" cy="3780000"/>
+          </a:xfrm>
+          <a:prstGeom prst="line">
+            <a:avLst/>
+          </a:prstGeom>
+          <a:ln w="76200">
+            <a:solidFill>
+              <a:srgbClr val="FF0000"/>
+            </a:solidFill>
+          </a:ln>
+        </p:spPr>
+        <p:style>
+          <a:lnRef idx="1">
+            <a:schemeClr val="accent1"/>
+          </a:lnRef>
+          <a:fillRef idx="0">
+            <a:schemeClr val="accent1"/>
+          </a:fillRef>
+          <a:effectRef idx="0">
+            <a:schemeClr val="accent1"/>
+          </a:effectRef>
+          <a:fontRef idx="minor">
+            <a:schemeClr val="tx1"/>
+          </a:fontRef>
+        </p:style>
+      </p:cxnSp>
+      <p:cxnSp>
+        <p:nvCxnSpPr>
+          <p:cNvPr id="7" name="Straight Connector 6"/>
+          <p:cNvCxnSpPr/>
+          <p:nvPr/>
+        </p:nvCxnSpPr>
+        <p:spPr>
+          <a:xfrm flipV="1">
+            <a:off x="5902955" y="5538480"/>
+            <a:ext cx="1440000" cy="1"/>
+          </a:xfrm>
+          <a:prstGeom prst="line">
+            <a:avLst/>
+          </a:prstGeom>
+          <a:ln w="76200">
+            <a:solidFill>
+              <a:srgbClr val="FF0000"/>
+            </a:solidFill>
+          </a:ln>
+        </p:spPr>
+        <p:style>
+          <a:lnRef idx="1">
+            <a:schemeClr val="accent1"/>
+          </a:lnRef>
+          <a:fillRef idx="0">
+            <a:schemeClr val="accent1"/>
+          </a:fillRef>
+          <a:effectRef idx="0">
+            <a:schemeClr val="accent1"/>
+          </a:effectRef>
+          <a:fontRef idx="minor">
+            <a:schemeClr val="tx1"/>
+          </a:fontRef>
+        </p:style>
+      </p:cxnSp>
+      <p:cxnSp>
+        <p:nvCxnSpPr>
+          <p:cNvPr id="8" name="Straight Connector 7"/>
+          <p:cNvCxnSpPr/>
+          <p:nvPr/>
+        </p:nvCxnSpPr>
+        <p:spPr>
+          <a:xfrm flipV="1">
+            <a:off x="5509713" y="3737410"/>
+            <a:ext cx="432342" cy="7370"/>
+          </a:xfrm>
+          <a:prstGeom prst="line">
+            <a:avLst/>
+          </a:prstGeom>
+          <a:ln w="76200">
+            <a:solidFill>
+              <a:srgbClr val="FF0000"/>
+            </a:solidFill>
+          </a:ln>
+        </p:spPr>
+        <p:style>
+          <a:lnRef idx="1">
+            <a:schemeClr val="accent1"/>
+          </a:lnRef>
+          <a:fillRef idx="0">
+            <a:schemeClr val="accent1"/>
+          </a:fillRef>
+          <a:effectRef idx="0">
+            <a:schemeClr val="accent1"/>
+          </a:effectRef>
+          <a:fontRef idx="minor">
+            <a:schemeClr val="tx1"/>
+          </a:fontRef>
+        </p:style>
+      </p:cxnSp>
+      <p:cxnSp>
+        <p:nvCxnSpPr>
+          <p:cNvPr id="9" name="Straight Connector 8"/>
+          <p:cNvCxnSpPr/>
+          <p:nvPr/>
+        </p:nvCxnSpPr>
+        <p:spPr>
+          <a:xfrm flipH="1" flipV="1">
+            <a:off x="6070090" y="1698511"/>
+            <a:ext cx="0" cy="3742686"/>
+          </a:xfrm>
+          <a:prstGeom prst="line">
+            <a:avLst/>
+          </a:prstGeom>
+          <a:ln w="76200">
+            <a:solidFill>
+              <a:schemeClr val="tx1"/>
+            </a:solidFill>
+          </a:ln>
+        </p:spPr>
+        <p:style>
+          <a:lnRef idx="1">
+            <a:schemeClr val="accent1"/>
+          </a:lnRef>
+          <a:fillRef idx="0">
+            <a:schemeClr val="accent1"/>
+          </a:fillRef>
+          <a:effectRef idx="0">
+            <a:schemeClr val="accent1"/>
+          </a:effectRef>
+          <a:fontRef idx="minor">
+            <a:schemeClr val="tx1"/>
+          </a:fontRef>
+        </p:style>
+      </p:cxnSp>
+      <p:cxnSp>
+        <p:nvCxnSpPr>
+          <p:cNvPr id="10" name="Straight Connector 9"/>
+          <p:cNvCxnSpPr/>
+          <p:nvPr/>
+        </p:nvCxnSpPr>
+        <p:spPr>
+          <a:xfrm>
+            <a:off x="6032281" y="5410461"/>
+            <a:ext cx="1080000" cy="0"/>
+          </a:xfrm>
+          <a:prstGeom prst="line">
+            <a:avLst/>
+          </a:prstGeom>
+          <a:ln w="76200">
+            <a:solidFill>
+              <a:schemeClr val="tx1"/>
+            </a:solidFill>
+          </a:ln>
+        </p:spPr>
+        <p:style>
+          <a:lnRef idx="1">
+            <a:schemeClr val="accent1"/>
+          </a:lnRef>
+          <a:fillRef idx="0">
+            <a:schemeClr val="accent1"/>
+          </a:fillRef>
+          <a:effectRef idx="0">
+            <a:schemeClr val="accent1"/>
+          </a:effectRef>
+          <a:fontRef idx="minor">
+            <a:schemeClr val="tx1"/>
+          </a:fontRef>
+        </p:style>
+      </p:cxnSp>
+      <p:cxnSp>
+        <p:nvCxnSpPr>
+          <p:cNvPr id="11" name="Straight Connector 10"/>
+          <p:cNvCxnSpPr/>
+          <p:nvPr/>
+        </p:nvCxnSpPr>
+        <p:spPr>
+          <a:xfrm>
+            <a:off x="5481965" y="1674721"/>
+            <a:ext cx="630000" cy="0"/>
+          </a:xfrm>
+          <a:prstGeom prst="line">
+            <a:avLst/>
+          </a:prstGeom>
+          <a:ln w="76200">
+            <a:solidFill>
+              <a:schemeClr val="tx1"/>
+            </a:solidFill>
+          </a:ln>
+        </p:spPr>
+        <p:style>
+          <a:lnRef idx="1">
+            <a:schemeClr val="accent1"/>
+          </a:lnRef>
+          <a:fillRef idx="0">
+            <a:schemeClr val="accent1"/>
+          </a:fillRef>
+          <a:effectRef idx="0">
+            <a:schemeClr val="accent1"/>
+          </a:effectRef>
+          <a:fontRef idx="minor">
+            <a:schemeClr val="tx1"/>
+          </a:fontRef>
+        </p:style>
+      </p:cxnSp>
+      <p:cxnSp>
+        <p:nvCxnSpPr>
+          <p:cNvPr id="12" name="Straight Connector 11"/>
+          <p:cNvCxnSpPr/>
+          <p:nvPr/>
+        </p:nvCxnSpPr>
+        <p:spPr>
+          <a:xfrm>
+            <a:off x="5455924" y="3852903"/>
+            <a:ext cx="630000" cy="0"/>
+          </a:xfrm>
+          <a:prstGeom prst="line">
+            <a:avLst/>
+          </a:prstGeom>
+          <a:ln w="76200">
+            <a:solidFill>
+              <a:schemeClr val="tx1"/>
+            </a:solidFill>
+          </a:ln>
+        </p:spPr>
+        <p:style>
+          <a:lnRef idx="1">
+            <a:schemeClr val="accent1"/>
+          </a:lnRef>
+          <a:fillRef idx="0">
+            <a:schemeClr val="accent1"/>
+          </a:fillRef>
+          <a:effectRef idx="0">
+            <a:schemeClr val="accent1"/>
+          </a:effectRef>
+          <a:fontRef idx="minor">
+            <a:schemeClr val="tx1"/>
+          </a:fontRef>
+        </p:style>
+      </p:cxnSp>
+      <p:cxnSp>
+        <p:nvCxnSpPr>
+          <p:cNvPr id="13" name="Straight Connector 12"/>
+          <p:cNvCxnSpPr/>
+          <p:nvPr/>
+        </p:nvCxnSpPr>
+        <p:spPr>
+          <a:xfrm>
+            <a:off x="5528069" y="1301522"/>
+            <a:ext cx="3600000" cy="0"/>
+          </a:xfrm>
+          <a:prstGeom prst="line">
+            <a:avLst/>
+          </a:prstGeom>
+          <a:ln w="76200">
+            <a:solidFill>
+              <a:schemeClr val="accent5"/>
+            </a:solidFill>
+          </a:ln>
+        </p:spPr>
+        <p:style>
+          <a:lnRef idx="1">
+            <a:schemeClr val="accent1"/>
+          </a:lnRef>
+          <a:fillRef idx="0">
+            <a:schemeClr val="accent1"/>
+          </a:fillRef>
+          <a:effectRef idx="0">
+            <a:schemeClr val="accent1"/>
+          </a:effectRef>
+          <a:fontRef idx="minor">
+            <a:schemeClr val="tx1"/>
+          </a:fontRef>
+        </p:style>
+      </p:cxnSp>
+      <p:cxnSp>
+        <p:nvCxnSpPr>
+          <p:cNvPr id="14" name="Straight Connector 13"/>
+          <p:cNvCxnSpPr/>
+          <p:nvPr/>
+        </p:nvCxnSpPr>
+        <p:spPr>
+          <a:xfrm>
+            <a:off x="5522139" y="2128149"/>
+            <a:ext cx="3600000" cy="0"/>
+          </a:xfrm>
+          <a:prstGeom prst="line">
+            <a:avLst/>
+          </a:prstGeom>
+          <a:ln w="76200">
+            <a:solidFill>
+              <a:schemeClr val="accent6"/>
+            </a:solidFill>
+          </a:ln>
+        </p:spPr>
+        <p:style>
+          <a:lnRef idx="1">
+            <a:schemeClr val="accent1"/>
+          </a:lnRef>
+          <a:fillRef idx="0">
+            <a:schemeClr val="accent1"/>
+          </a:fillRef>
+          <a:effectRef idx="0">
+            <a:schemeClr val="accent1"/>
+          </a:effectRef>
+          <a:fontRef idx="minor">
+            <a:schemeClr val="tx1"/>
+          </a:fontRef>
+        </p:style>
+      </p:cxnSp>
+      <p:cxnSp>
+        <p:nvCxnSpPr>
+          <p:cNvPr id="15" name="Straight Connector 14"/>
+          <p:cNvCxnSpPr/>
+          <p:nvPr/>
+        </p:nvCxnSpPr>
+        <p:spPr>
+          <a:xfrm>
+            <a:off x="5526270" y="2223685"/>
+            <a:ext cx="3600000" cy="0"/>
+          </a:xfrm>
+          <a:prstGeom prst="line">
+            <a:avLst/>
+          </a:prstGeom>
+          <a:ln w="76200">
+            <a:solidFill>
+              <a:schemeClr val="accent5"/>
+            </a:solidFill>
+          </a:ln>
+        </p:spPr>
+        <p:style>
+          <a:lnRef idx="1">
+            <a:schemeClr val="accent1"/>
+          </a:lnRef>
+          <a:fillRef idx="0">
+            <a:schemeClr val="accent1"/>
+          </a:fillRef>
+          <a:effectRef idx="0">
+            <a:schemeClr val="accent1"/>
+          </a:effectRef>
+          <a:fontRef idx="minor">
+            <a:schemeClr val="tx1"/>
+          </a:fontRef>
+        </p:style>
+      </p:cxnSp>
+      <p:cxnSp>
+        <p:nvCxnSpPr>
+          <p:cNvPr id="16" name="Straight Connector 15"/>
+          <p:cNvCxnSpPr/>
+          <p:nvPr/>
+        </p:nvCxnSpPr>
+        <p:spPr>
+          <a:xfrm>
+            <a:off x="5522139" y="3277182"/>
+            <a:ext cx="3600000" cy="0"/>
+          </a:xfrm>
+          <a:prstGeom prst="line">
+            <a:avLst/>
+          </a:prstGeom>
+          <a:ln w="76200">
+            <a:solidFill>
+              <a:schemeClr val="accent6"/>
+            </a:solidFill>
+          </a:ln>
+        </p:spPr>
+        <p:style>
+          <a:lnRef idx="1">
+            <a:schemeClr val="accent1"/>
+          </a:lnRef>
+          <a:fillRef idx="0">
+            <a:schemeClr val="accent1"/>
+          </a:fillRef>
+          <a:effectRef idx="0">
+            <a:schemeClr val="accent1"/>
+          </a:effectRef>
+          <a:fontRef idx="minor">
+            <a:schemeClr val="tx1"/>
+          </a:fontRef>
+        </p:style>
+      </p:cxnSp>
+      <p:cxnSp>
+        <p:nvCxnSpPr>
+          <p:cNvPr id="17" name="Straight Connector 16"/>
+          <p:cNvCxnSpPr/>
+          <p:nvPr/>
+        </p:nvCxnSpPr>
+        <p:spPr>
+          <a:xfrm>
+            <a:off x="5522139" y="3366331"/>
+            <a:ext cx="3600000" cy="0"/>
+          </a:xfrm>
+          <a:prstGeom prst="line">
+            <a:avLst/>
+          </a:prstGeom>
+          <a:ln w="76200">
+            <a:solidFill>
+              <a:schemeClr val="accent5"/>
+            </a:solidFill>
+          </a:ln>
+        </p:spPr>
+        <p:style>
+          <a:lnRef idx="1">
+            <a:schemeClr val="accent1"/>
+          </a:lnRef>
+          <a:fillRef idx="0">
+            <a:schemeClr val="accent1"/>
+          </a:fillRef>
+          <a:effectRef idx="0">
+            <a:schemeClr val="accent1"/>
+          </a:effectRef>
+          <a:fontRef idx="minor">
+            <a:schemeClr val="tx1"/>
+          </a:fontRef>
+        </p:style>
+      </p:cxnSp>
+      <p:cxnSp>
+        <p:nvCxnSpPr>
+          <p:cNvPr id="18" name="Straight Connector 17"/>
+          <p:cNvCxnSpPr/>
+          <p:nvPr/>
+        </p:nvCxnSpPr>
+        <p:spPr>
+          <a:xfrm>
+            <a:off x="5522139" y="4298289"/>
+            <a:ext cx="3600000" cy="0"/>
+          </a:xfrm>
+          <a:prstGeom prst="line">
+            <a:avLst/>
+          </a:prstGeom>
+          <a:ln w="76200">
+            <a:solidFill>
+              <a:schemeClr val="accent6"/>
+            </a:solidFill>
+          </a:ln>
+        </p:spPr>
+        <p:style>
+          <a:lnRef idx="1">
+            <a:schemeClr val="accent1"/>
+          </a:lnRef>
+          <a:fillRef idx="0">
+            <a:schemeClr val="accent1"/>
+          </a:fillRef>
+          <a:effectRef idx="0">
+            <a:schemeClr val="accent1"/>
+          </a:effectRef>
+          <a:fontRef idx="minor">
+            <a:schemeClr val="tx1"/>
+          </a:fontRef>
+        </p:style>
+      </p:cxnSp>
+      <p:cxnSp>
+        <p:nvCxnSpPr>
+          <p:cNvPr id="19" name="Straight Connector 18"/>
+          <p:cNvCxnSpPr/>
+          <p:nvPr/>
+        </p:nvCxnSpPr>
+        <p:spPr>
+          <a:xfrm>
+            <a:off x="5522139" y="4202612"/>
+            <a:ext cx="3600000" cy="0"/>
+          </a:xfrm>
+          <a:prstGeom prst="line">
+            <a:avLst/>
+          </a:prstGeom>
+          <a:ln w="76200">
+            <a:solidFill>
+              <a:schemeClr val="accent5"/>
+            </a:solidFill>
+          </a:ln>
+        </p:spPr>
+        <p:style>
+          <a:lnRef idx="1">
+            <a:schemeClr val="accent1"/>
+          </a:lnRef>
+          <a:fillRef idx="0">
+            <a:schemeClr val="accent1"/>
+          </a:fillRef>
+          <a:effectRef idx="0">
+            <a:schemeClr val="accent1"/>
+          </a:effectRef>
+          <a:fontRef idx="minor">
+            <a:schemeClr val="tx1"/>
+          </a:fontRef>
+        </p:style>
+      </p:cxnSp>
+      <p:grpSp>
+        <p:nvGrpSpPr>
+          <p:cNvPr id="20" name="Group 19"/>
+          <p:cNvGrpSpPr/>
+          <p:nvPr/>
+        </p:nvGrpSpPr>
+        <p:grpSpPr>
+          <a:xfrm>
+            <a:off x="8321752" y="1020856"/>
+            <a:ext cx="1293158" cy="914400"/>
+            <a:chOff x="857818" y="5212259"/>
+            <a:chExt cx="1293158" cy="914400"/>
+          </a:xfrm>
+          <a:solidFill>
+            <a:schemeClr val="accent4">
+              <a:lumMod val="75000"/>
+            </a:schemeClr>
+          </a:solidFill>
+        </p:grpSpPr>
+        <p:sp>
+          <p:nvSpPr>
+            <p:cNvPr id="21" name="Right Triangle 20"/>
+            <p:cNvSpPr/>
+            <p:nvPr/>
+          </p:nvSpPr>
+          <p:spPr>
+            <a:xfrm rot="8100000">
+              <a:off x="1047197" y="5212259"/>
+              <a:ext cx="914400" cy="914400"/>
+            </a:xfrm>
+            <a:prstGeom prst="rtTriangle">
+              <a:avLst/>
+            </a:prstGeom>
+            <a:grpFill/>
+            <a:ln>
+              <a:noFill/>
+            </a:ln>
+          </p:spPr>
+          <p:style>
+            <a:lnRef idx="2">
+              <a:schemeClr val="accent1">
+                <a:shade val="50000"/>
+              </a:schemeClr>
+            </a:lnRef>
+            <a:fillRef idx="1">
+              <a:schemeClr val="accent1"/>
+            </a:fillRef>
+            <a:effectRef idx="0">
+              <a:schemeClr val="accent1"/>
+            </a:effectRef>
+            <a:fontRef idx="minor">
+              <a:schemeClr val="lt1"/>
+            </a:fontRef>
+          </p:style>
+          <p:txBody>
+            <a:bodyPr rtlCol="0" anchor="ctr"/>
+            <a:lstStyle/>
+            <a:p>
+              <a:pPr algn="ctr"/>
+              <a:endParaRPr lang="en-US" sz="1700"/>
+            </a:p>
+          </p:txBody>
+        </p:sp>
+        <p:sp>
+          <p:nvSpPr>
+            <p:cNvPr id="22" name="Oval 21"/>
+            <p:cNvSpPr/>
+            <p:nvPr/>
+          </p:nvSpPr>
+          <p:spPr>
+            <a:xfrm>
+              <a:off x="857818" y="5587212"/>
+              <a:ext cx="1293158" cy="164493"/>
+            </a:xfrm>
+            <a:prstGeom prst="ellipse">
+              <a:avLst/>
+            </a:prstGeom>
+            <a:solidFill>
+              <a:schemeClr val="accent4"/>
+            </a:solidFill>
+            <a:ln>
+              <a:noFill/>
+            </a:ln>
+          </p:spPr>
+          <p:style>
+            <a:lnRef idx="2">
+              <a:schemeClr val="accent1">
+                <a:shade val="50000"/>
+              </a:schemeClr>
+            </a:lnRef>
+            <a:fillRef idx="1">
+              <a:schemeClr val="accent1"/>
+            </a:fillRef>
+            <a:effectRef idx="0">
+              <a:schemeClr val="accent1"/>
+            </a:effectRef>
+            <a:fontRef idx="minor">
+              <a:schemeClr val="lt1"/>
+            </a:fontRef>
+          </p:style>
+          <p:txBody>
+            <a:bodyPr rtlCol="0" anchor="ctr"/>
+            <a:lstStyle/>
+            <a:p>
+              <a:pPr algn="ctr"/>
+              <a:endParaRPr lang="en-US" sz="1700"/>
+            </a:p>
+          </p:txBody>
+        </p:sp>
+      </p:grpSp>
+      <p:grpSp>
+        <p:nvGrpSpPr>
+          <p:cNvPr id="23" name="Group 22"/>
+          <p:cNvGrpSpPr/>
+          <p:nvPr/>
+        </p:nvGrpSpPr>
+        <p:grpSpPr>
+          <a:xfrm>
+            <a:off x="8321752" y="1946877"/>
+            <a:ext cx="1293158" cy="914400"/>
+            <a:chOff x="857818" y="5212259"/>
+            <a:chExt cx="1293158" cy="914400"/>
+          </a:xfrm>
+          <a:solidFill>
+            <a:schemeClr val="accent4">
+              <a:lumMod val="75000"/>
+            </a:schemeClr>
+          </a:solidFill>
+        </p:grpSpPr>
+        <p:sp>
+          <p:nvSpPr>
+            <p:cNvPr id="24" name="Right Triangle 23"/>
+            <p:cNvSpPr/>
+            <p:nvPr/>
+          </p:nvSpPr>
+          <p:spPr>
+            <a:xfrm rot="8100000">
+              <a:off x="1047197" y="5212259"/>
+              <a:ext cx="914400" cy="914400"/>
+            </a:xfrm>
+            <a:prstGeom prst="rtTriangle">
+              <a:avLst/>
+            </a:prstGeom>
+            <a:grpFill/>
+            <a:ln>
+              <a:noFill/>
+            </a:ln>
+          </p:spPr>
+          <p:style>
+            <a:lnRef idx="2">
+              <a:schemeClr val="accent1">
+                <a:shade val="50000"/>
+              </a:schemeClr>
+            </a:lnRef>
+            <a:fillRef idx="1">
+              <a:schemeClr val="accent1"/>
+            </a:fillRef>
+            <a:effectRef idx="0">
+              <a:schemeClr val="accent1"/>
+            </a:effectRef>
+            <a:fontRef idx="minor">
+              <a:schemeClr val="lt1"/>
+            </a:fontRef>
+          </p:style>
+          <p:txBody>
+            <a:bodyPr rtlCol="0" anchor="ctr"/>
+            <a:lstStyle/>
+            <a:p>
+              <a:pPr algn="ctr"/>
+              <a:endParaRPr lang="en-US" sz="1700"/>
+            </a:p>
+          </p:txBody>
+        </p:sp>
+        <p:sp>
+          <p:nvSpPr>
+            <p:cNvPr id="25" name="Oval 24"/>
+            <p:cNvSpPr/>
+            <p:nvPr/>
+          </p:nvSpPr>
+          <p:spPr>
+            <a:xfrm>
+              <a:off x="857818" y="5587212"/>
+              <a:ext cx="1293158" cy="164493"/>
+            </a:xfrm>
+            <a:prstGeom prst="ellipse">
+              <a:avLst/>
+            </a:prstGeom>
+            <a:solidFill>
+              <a:schemeClr val="accent4"/>
+            </a:solidFill>
+            <a:ln>
+              <a:noFill/>
+            </a:ln>
+          </p:spPr>
+          <p:style>
+            <a:lnRef idx="2">
+              <a:schemeClr val="accent1">
+                <a:shade val="50000"/>
+              </a:schemeClr>
+            </a:lnRef>
+            <a:fillRef idx="1">
+              <a:schemeClr val="accent1"/>
+            </a:fillRef>
+            <a:effectRef idx="0">
+              <a:schemeClr val="accent1"/>
+            </a:effectRef>
+            <a:fontRef idx="minor">
+              <a:schemeClr val="lt1"/>
+            </a:fontRef>
+          </p:style>
+          <p:txBody>
+            <a:bodyPr rtlCol="0" anchor="ctr"/>
+            <a:lstStyle/>
+            <a:p>
+              <a:pPr algn="ctr"/>
+              <a:endParaRPr lang="en-US" sz="1700"/>
+            </a:p>
+          </p:txBody>
+        </p:sp>
+      </p:grpSp>
+      <p:grpSp>
+        <p:nvGrpSpPr>
+          <p:cNvPr id="26" name="Group 25"/>
+          <p:cNvGrpSpPr/>
+          <p:nvPr/>
+        </p:nvGrpSpPr>
+        <p:grpSpPr>
+          <a:xfrm>
+            <a:off x="8321752" y="3084821"/>
+            <a:ext cx="1293158" cy="914400"/>
+            <a:chOff x="857818" y="5212259"/>
+            <a:chExt cx="1293158" cy="914400"/>
+          </a:xfrm>
+          <a:solidFill>
+            <a:schemeClr val="accent4">
+              <a:lumMod val="75000"/>
+            </a:schemeClr>
+          </a:solidFill>
+        </p:grpSpPr>
+        <p:sp>
+          <p:nvSpPr>
+            <p:cNvPr id="27" name="Right Triangle 26"/>
+            <p:cNvSpPr/>
+            <p:nvPr/>
+          </p:nvSpPr>
+          <p:spPr>
+            <a:xfrm rot="8100000">
+              <a:off x="1047197" y="5212259"/>
+              <a:ext cx="914400" cy="914400"/>
+            </a:xfrm>
+            <a:prstGeom prst="rtTriangle">
+              <a:avLst/>
+            </a:prstGeom>
+            <a:grpFill/>
+            <a:ln>
+              <a:noFill/>
+            </a:ln>
+          </p:spPr>
+          <p:style>
+            <a:lnRef idx="2">
+              <a:schemeClr val="accent1">
+                <a:shade val="50000"/>
+              </a:schemeClr>
+            </a:lnRef>
+            <a:fillRef idx="1">
+              <a:schemeClr val="accent1"/>
+            </a:fillRef>
+            <a:effectRef idx="0">
+              <a:schemeClr val="accent1"/>
+            </a:effectRef>
+            <a:fontRef idx="minor">
+              <a:schemeClr val="lt1"/>
+            </a:fontRef>
+          </p:style>
+          <p:txBody>
+            <a:bodyPr rtlCol="0" anchor="ctr"/>
+            <a:lstStyle/>
+            <a:p>
+              <a:pPr algn="ctr"/>
+              <a:endParaRPr lang="en-US" sz="1700"/>
+            </a:p>
+          </p:txBody>
+        </p:sp>
+        <p:sp>
+          <p:nvSpPr>
+            <p:cNvPr id="28" name="Oval 27"/>
+            <p:cNvSpPr/>
+            <p:nvPr/>
+          </p:nvSpPr>
+          <p:spPr>
+            <a:xfrm>
+              <a:off x="857818" y="5587212"/>
+              <a:ext cx="1293158" cy="164493"/>
+            </a:xfrm>
+            <a:prstGeom prst="ellipse">
+              <a:avLst/>
+            </a:prstGeom>
+            <a:solidFill>
+              <a:schemeClr val="accent4"/>
+            </a:solidFill>
+            <a:ln>
+              <a:noFill/>
+            </a:ln>
+          </p:spPr>
+          <p:style>
+            <a:lnRef idx="2">
+              <a:schemeClr val="accent1">
+                <a:shade val="50000"/>
+              </a:schemeClr>
+            </a:lnRef>
+            <a:fillRef idx="1">
+              <a:schemeClr val="accent1"/>
+            </a:fillRef>
+            <a:effectRef idx="0">
+              <a:schemeClr val="accent1"/>
+            </a:effectRef>
+            <a:fontRef idx="minor">
+              <a:schemeClr val="lt1"/>
+            </a:fontRef>
+          </p:style>
+          <p:txBody>
+            <a:bodyPr rtlCol="0" anchor="ctr"/>
+            <a:lstStyle/>
+            <a:p>
+              <a:pPr algn="ctr"/>
+              <a:endParaRPr lang="en-US" sz="1700"/>
+            </a:p>
+          </p:txBody>
+        </p:sp>
+      </p:grpSp>
+      <p:grpSp>
+        <p:nvGrpSpPr>
+          <p:cNvPr id="29" name="Group 28"/>
+          <p:cNvGrpSpPr/>
+          <p:nvPr/>
+        </p:nvGrpSpPr>
+        <p:grpSpPr>
+          <a:xfrm>
+            <a:off x="8321752" y="4014598"/>
+            <a:ext cx="1293158" cy="914400"/>
+            <a:chOff x="857818" y="5212259"/>
+            <a:chExt cx="1293158" cy="914400"/>
+          </a:xfrm>
+          <a:solidFill>
+            <a:schemeClr val="accent4">
+              <a:lumMod val="75000"/>
+            </a:schemeClr>
+          </a:solidFill>
+        </p:grpSpPr>
+        <p:sp>
+          <p:nvSpPr>
+            <p:cNvPr id="30" name="Right Triangle 29"/>
+            <p:cNvSpPr/>
+            <p:nvPr/>
+          </p:nvSpPr>
+          <p:spPr>
+            <a:xfrm rot="8100000">
+              <a:off x="1047197" y="5212259"/>
+              <a:ext cx="914400" cy="914400"/>
+            </a:xfrm>
+            <a:prstGeom prst="rtTriangle">
+              <a:avLst/>
+            </a:prstGeom>
+            <a:grpFill/>
+            <a:ln>
+              <a:noFill/>
+            </a:ln>
+          </p:spPr>
+          <p:style>
+            <a:lnRef idx="2">
+              <a:schemeClr val="accent1">
+                <a:shade val="50000"/>
+              </a:schemeClr>
+            </a:lnRef>
+            <a:fillRef idx="1">
+              <a:schemeClr val="accent1"/>
+            </a:fillRef>
+            <a:effectRef idx="0">
+              <a:schemeClr val="accent1"/>
+            </a:effectRef>
+            <a:fontRef idx="minor">
+              <a:schemeClr val="lt1"/>
+            </a:fontRef>
+          </p:style>
+          <p:txBody>
+            <a:bodyPr rtlCol="0" anchor="ctr"/>
+            <a:lstStyle/>
+            <a:p>
+              <a:pPr algn="ctr"/>
+              <a:endParaRPr lang="en-US" sz="1700"/>
+            </a:p>
+          </p:txBody>
+        </p:sp>
+        <p:sp>
+          <p:nvSpPr>
+            <p:cNvPr id="31" name="Oval 30"/>
+            <p:cNvSpPr/>
+            <p:nvPr/>
+          </p:nvSpPr>
+          <p:spPr>
+            <a:xfrm>
+              <a:off x="857818" y="5587212"/>
+              <a:ext cx="1293158" cy="164493"/>
+            </a:xfrm>
+            <a:prstGeom prst="ellipse">
+              <a:avLst/>
+            </a:prstGeom>
+            <a:solidFill>
+              <a:schemeClr val="accent4"/>
+            </a:solidFill>
+            <a:ln>
+              <a:noFill/>
+            </a:ln>
+          </p:spPr>
+          <p:style>
+            <a:lnRef idx="2">
+              <a:schemeClr val="accent1">
+                <a:shade val="50000"/>
+              </a:schemeClr>
+            </a:lnRef>
+            <a:fillRef idx="1">
+              <a:schemeClr val="accent1"/>
+            </a:fillRef>
+            <a:effectRef idx="0">
+              <a:schemeClr val="accent1"/>
+            </a:effectRef>
+            <a:fontRef idx="minor">
+              <a:schemeClr val="lt1"/>
+            </a:fontRef>
+          </p:style>
+          <p:txBody>
+            <a:bodyPr rtlCol="0" anchor="ctr"/>
+            <a:lstStyle/>
+            <a:p>
+              <a:pPr algn="ctr"/>
+              <a:endParaRPr lang="en-US" sz="1700"/>
+            </a:p>
+          </p:txBody>
+        </p:sp>
+      </p:grpSp>
+      <p:cxnSp>
+        <p:nvCxnSpPr>
+          <p:cNvPr id="32" name="Straight Connector 31"/>
+          <p:cNvCxnSpPr/>
+          <p:nvPr/>
+        </p:nvCxnSpPr>
+        <p:spPr>
+          <a:xfrm flipH="1" flipV="1">
+            <a:off x="1570328" y="1301522"/>
+            <a:ext cx="2520000" cy="0"/>
+          </a:xfrm>
+          <a:prstGeom prst="line">
+            <a:avLst/>
+          </a:prstGeom>
+          <a:ln w="76200">
+            <a:solidFill>
+              <a:schemeClr val="accent4">
+                <a:lumMod val="75000"/>
+              </a:schemeClr>
+            </a:solidFill>
+          </a:ln>
+        </p:spPr>
+        <p:style>
+          <a:lnRef idx="1">
+            <a:schemeClr val="accent1"/>
+          </a:lnRef>
+          <a:fillRef idx="0">
+            <a:schemeClr val="accent1"/>
+          </a:fillRef>
+          <a:effectRef idx="0">
+            <a:schemeClr val="accent1"/>
+          </a:effectRef>
+          <a:fontRef idx="minor">
+            <a:schemeClr val="tx1"/>
+          </a:fontRef>
+        </p:style>
+      </p:cxnSp>
+      <p:cxnSp>
+        <p:nvCxnSpPr>
+          <p:cNvPr id="33" name="Straight Connector 32"/>
+          <p:cNvCxnSpPr/>
+          <p:nvPr/>
+        </p:nvCxnSpPr>
+        <p:spPr>
+          <a:xfrm>
+            <a:off x="1570328" y="1961025"/>
+            <a:ext cx="2520000" cy="0"/>
+          </a:xfrm>
+          <a:prstGeom prst="line">
+            <a:avLst/>
+          </a:prstGeom>
+          <a:ln w="76200">
+            <a:solidFill>
+              <a:schemeClr val="tx1"/>
+            </a:solidFill>
+          </a:ln>
+        </p:spPr>
+        <p:style>
+          <a:lnRef idx="1">
+            <a:schemeClr val="accent1"/>
+          </a:lnRef>
+          <a:fillRef idx="0">
+            <a:schemeClr val="accent1"/>
+          </a:fillRef>
+          <a:effectRef idx="0">
+            <a:schemeClr val="accent1"/>
+          </a:effectRef>
+          <a:fontRef idx="minor">
+            <a:schemeClr val="tx1"/>
+          </a:fontRef>
+        </p:style>
+      </p:cxnSp>
+      <p:cxnSp>
+        <p:nvCxnSpPr>
+          <p:cNvPr id="34" name="Straight Connector 33"/>
+          <p:cNvCxnSpPr/>
+          <p:nvPr/>
+        </p:nvCxnSpPr>
+        <p:spPr>
+          <a:xfrm flipH="1" flipV="1">
+            <a:off x="1570328" y="1796979"/>
+            <a:ext cx="2520000" cy="0"/>
+          </a:xfrm>
+          <a:prstGeom prst="line">
+            <a:avLst/>
+          </a:prstGeom>
+          <a:ln w="76200">
+            <a:solidFill>
+              <a:srgbClr val="FF0000"/>
+            </a:solidFill>
+          </a:ln>
+        </p:spPr>
+        <p:style>
+          <a:lnRef idx="1">
+            <a:schemeClr val="accent1"/>
+          </a:lnRef>
+          <a:fillRef idx="0">
+            <a:schemeClr val="accent1"/>
+          </a:fillRef>
+          <a:effectRef idx="0">
+            <a:schemeClr val="accent1"/>
+          </a:effectRef>
+          <a:fontRef idx="minor">
+            <a:schemeClr val="tx1"/>
+          </a:fontRef>
+        </p:style>
+      </p:cxnSp>
+      <p:cxnSp>
+        <p:nvCxnSpPr>
+          <p:cNvPr id="35" name="Straight Connector 34"/>
+          <p:cNvCxnSpPr/>
+          <p:nvPr/>
+        </p:nvCxnSpPr>
+        <p:spPr>
+          <a:xfrm>
+            <a:off x="1570328" y="1632010"/>
+            <a:ext cx="2520000" cy="0"/>
+          </a:xfrm>
+          <a:prstGeom prst="line">
+            <a:avLst/>
+          </a:prstGeom>
+          <a:ln w="76200">
+            <a:solidFill>
+              <a:srgbClr val="FF0000"/>
+            </a:solidFill>
+          </a:ln>
+        </p:spPr>
+        <p:style>
+          <a:lnRef idx="1">
+            <a:schemeClr val="accent1"/>
+          </a:lnRef>
+          <a:fillRef idx="0">
+            <a:schemeClr val="accent1"/>
+          </a:fillRef>
+          <a:effectRef idx="0">
+            <a:schemeClr val="accent1"/>
+          </a:effectRef>
+          <a:fontRef idx="minor">
+            <a:schemeClr val="tx1"/>
+          </a:fontRef>
+        </p:style>
+      </p:cxnSp>
+      <p:cxnSp>
+        <p:nvCxnSpPr>
+          <p:cNvPr id="36" name="Straight Connector 35"/>
+          <p:cNvCxnSpPr/>
+          <p:nvPr/>
+        </p:nvCxnSpPr>
+        <p:spPr>
+          <a:xfrm flipH="1" flipV="1">
+            <a:off x="1570328" y="1466015"/>
+            <a:ext cx="2520000" cy="0"/>
+          </a:xfrm>
+          <a:prstGeom prst="line">
+            <a:avLst/>
+          </a:prstGeom>
+          <a:ln w="76200">
+            <a:solidFill>
+              <a:schemeClr val="tx1"/>
+            </a:solidFill>
+          </a:ln>
+        </p:spPr>
+        <p:style>
+          <a:lnRef idx="1">
+            <a:schemeClr val="accent1"/>
+          </a:lnRef>
+          <a:fillRef idx="0">
+            <a:schemeClr val="accent1"/>
+          </a:fillRef>
+          <a:effectRef idx="0">
+            <a:schemeClr val="accent1"/>
+          </a:effectRef>
+          <a:fontRef idx="minor">
+            <a:schemeClr val="tx1"/>
+          </a:fontRef>
+        </p:style>
+      </p:cxnSp>
+      <p:cxnSp>
+        <p:nvCxnSpPr>
+          <p:cNvPr id="37" name="Straight Connector 36"/>
+          <p:cNvCxnSpPr/>
+          <p:nvPr/>
+        </p:nvCxnSpPr>
+        <p:spPr>
+          <a:xfrm flipH="1" flipV="1">
+            <a:off x="1570328" y="2127149"/>
+            <a:ext cx="2520000" cy="0"/>
+          </a:xfrm>
+          <a:prstGeom prst="line">
+            <a:avLst/>
+          </a:prstGeom>
+          <a:ln w="76200">
+            <a:solidFill>
+              <a:schemeClr val="accent4">
+                <a:lumMod val="75000"/>
+              </a:schemeClr>
+            </a:solidFill>
+          </a:ln>
+        </p:spPr>
+        <p:style>
+          <a:lnRef idx="1">
+            <a:schemeClr val="accent1"/>
+          </a:lnRef>
+          <a:fillRef idx="0">
+            <a:schemeClr val="accent1"/>
+          </a:fillRef>
+          <a:effectRef idx="0">
+            <a:schemeClr val="accent1"/>
+          </a:effectRef>
+          <a:fontRef idx="minor">
+            <a:schemeClr val="tx1"/>
+          </a:fontRef>
+        </p:style>
+      </p:cxnSp>
+      <p:sp>
+        <p:nvSpPr>
+          <p:cNvPr id="38" name="TextBox 37"/>
+          <p:cNvSpPr txBox="1"/>
+          <p:nvPr/>
+        </p:nvSpPr>
+        <p:spPr>
+          <a:xfrm>
+            <a:off x="1427610" y="965820"/>
+            <a:ext cx="797013" cy="369332"/>
+          </a:xfrm>
+          <a:prstGeom prst="rect">
+            <a:avLst/>
+          </a:prstGeom>
+          <a:noFill/>
+        </p:spPr>
+        <p:txBody>
+          <a:bodyPr wrap="none" rtlCol="0">
+            <a:spAutoFit/>
+          </a:bodyPr>
+          <a:lstStyle/>
+          <a:p>
+            <a:r>
+              <a:rPr lang="en-US" dirty="0" smtClean="0"/>
+              <a:t>PIN 17</a:t>
+            </a:r>
+            <a:endParaRPr lang="en-US" dirty="0"/>
+          </a:p>
+        </p:txBody>
+      </p:sp>
+      <p:sp>
+        <p:nvSpPr>
+          <p:cNvPr id="39" name="TextBox 38"/>
+          <p:cNvSpPr txBox="1"/>
+          <p:nvPr/>
+        </p:nvSpPr>
+        <p:spPr>
+          <a:xfrm>
+            <a:off x="1431875" y="2093529"/>
+            <a:ext cx="797013" cy="369332"/>
+          </a:xfrm>
+          <a:prstGeom prst="rect">
+            <a:avLst/>
+          </a:prstGeom>
+          <a:noFill/>
+        </p:spPr>
+        <p:txBody>
+          <a:bodyPr wrap="none" rtlCol="0">
+            <a:spAutoFit/>
+          </a:bodyPr>
+          <a:lstStyle/>
+          <a:p>
+            <a:r>
+              <a:rPr lang="en-US" dirty="0" smtClean="0"/>
+              <a:t>PIN 22</a:t>
+            </a:r>
+            <a:endParaRPr lang="en-US" dirty="0"/>
+          </a:p>
+        </p:txBody>
+      </p:sp>
+      <p:sp>
+        <p:nvSpPr>
+          <p:cNvPr id="40" name="TextBox 39"/>
+          <p:cNvSpPr txBox="1"/>
+          <p:nvPr/>
+        </p:nvSpPr>
+        <p:spPr>
+          <a:xfrm>
+            <a:off x="1427610" y="5165837"/>
+            <a:ext cx="1335622" cy="646331"/>
+          </a:xfrm>
+          <a:prstGeom prst="rect">
+            <a:avLst/>
+          </a:prstGeom>
+          <a:noFill/>
+        </p:spPr>
+        <p:txBody>
+          <a:bodyPr wrap="none" rtlCol="0">
+            <a:spAutoFit/>
+          </a:bodyPr>
+          <a:lstStyle/>
+          <a:p>
+            <a:r>
+              <a:rPr lang="en-US" dirty="0" smtClean="0"/>
+              <a:t>RED: +3.3V</a:t>
+            </a:r>
+            <a:br>
+              <a:rPr lang="en-US" dirty="0" smtClean="0"/>
+            </a:br>
+            <a:r>
+              <a:rPr lang="en-US" dirty="0" smtClean="0"/>
+              <a:t>BLACK: GND</a:t>
+            </a:r>
+            <a:endParaRPr lang="en-US" dirty="0"/>
+          </a:p>
+        </p:txBody>
+      </p:sp>
+      <p:cxnSp>
+        <p:nvCxnSpPr>
+          <p:cNvPr id="41" name="Straight Connector 40"/>
+          <p:cNvCxnSpPr/>
+          <p:nvPr/>
+        </p:nvCxnSpPr>
+        <p:spPr>
+          <a:xfrm flipH="1" flipV="1">
+            <a:off x="1570328" y="3376985"/>
+            <a:ext cx="2520000" cy="0"/>
+          </a:xfrm>
+          <a:prstGeom prst="line">
+            <a:avLst/>
+          </a:prstGeom>
+          <a:ln w="76200">
+            <a:solidFill>
+              <a:schemeClr val="accent4">
+                <a:lumMod val="75000"/>
+              </a:schemeClr>
+            </a:solidFill>
+          </a:ln>
+        </p:spPr>
+        <p:style>
+          <a:lnRef idx="1">
+            <a:schemeClr val="accent1"/>
+          </a:lnRef>
+          <a:fillRef idx="0">
+            <a:schemeClr val="accent1"/>
+          </a:fillRef>
+          <a:effectRef idx="0">
+            <a:schemeClr val="accent1"/>
+          </a:effectRef>
+          <a:fontRef idx="minor">
+            <a:schemeClr val="tx1"/>
+          </a:fontRef>
+        </p:style>
+      </p:cxnSp>
+      <p:cxnSp>
+        <p:nvCxnSpPr>
+          <p:cNvPr id="42" name="Straight Connector 41"/>
+          <p:cNvCxnSpPr/>
+          <p:nvPr/>
+        </p:nvCxnSpPr>
+        <p:spPr>
+          <a:xfrm>
+            <a:off x="1570328" y="4036488"/>
+            <a:ext cx="2520000" cy="0"/>
+          </a:xfrm>
+          <a:prstGeom prst="line">
+            <a:avLst/>
+          </a:prstGeom>
+          <a:ln w="76200">
+            <a:solidFill>
+              <a:schemeClr val="tx1"/>
+            </a:solidFill>
+          </a:ln>
+        </p:spPr>
+        <p:style>
+          <a:lnRef idx="1">
+            <a:schemeClr val="accent1"/>
+          </a:lnRef>
+          <a:fillRef idx="0">
+            <a:schemeClr val="accent1"/>
+          </a:fillRef>
+          <a:effectRef idx="0">
+            <a:schemeClr val="accent1"/>
+          </a:effectRef>
+          <a:fontRef idx="minor">
+            <a:schemeClr val="tx1"/>
+          </a:fontRef>
+        </p:style>
+      </p:cxnSp>
+      <p:cxnSp>
+        <p:nvCxnSpPr>
+          <p:cNvPr id="43" name="Straight Connector 42"/>
+          <p:cNvCxnSpPr/>
+          <p:nvPr/>
+        </p:nvCxnSpPr>
+        <p:spPr>
+          <a:xfrm flipH="1" flipV="1">
+            <a:off x="1570328" y="3872442"/>
+            <a:ext cx="2520000" cy="0"/>
+          </a:xfrm>
+          <a:prstGeom prst="line">
+            <a:avLst/>
+          </a:prstGeom>
+          <a:ln w="76200">
+            <a:solidFill>
+              <a:srgbClr val="FF0000"/>
+            </a:solidFill>
+          </a:ln>
+        </p:spPr>
+        <p:style>
+          <a:lnRef idx="1">
+            <a:schemeClr val="accent1"/>
+          </a:lnRef>
+          <a:fillRef idx="0">
+            <a:schemeClr val="accent1"/>
+          </a:fillRef>
+          <a:effectRef idx="0">
+            <a:schemeClr val="accent1"/>
+          </a:effectRef>
+          <a:fontRef idx="minor">
+            <a:schemeClr val="tx1"/>
+          </a:fontRef>
+        </p:style>
+      </p:cxnSp>
+      <p:cxnSp>
+        <p:nvCxnSpPr>
+          <p:cNvPr id="44" name="Straight Connector 43"/>
+          <p:cNvCxnSpPr/>
+          <p:nvPr/>
+        </p:nvCxnSpPr>
+        <p:spPr>
+          <a:xfrm>
+            <a:off x="1570328" y="3707473"/>
+            <a:ext cx="2520000" cy="0"/>
+          </a:xfrm>
+          <a:prstGeom prst="line">
+            <a:avLst/>
+          </a:prstGeom>
+          <a:ln w="76200">
+            <a:solidFill>
+              <a:srgbClr val="FF0000"/>
+            </a:solidFill>
+          </a:ln>
+        </p:spPr>
+        <p:style>
+          <a:lnRef idx="1">
+            <a:schemeClr val="accent1"/>
+          </a:lnRef>
+          <a:fillRef idx="0">
+            <a:schemeClr val="accent1"/>
+          </a:fillRef>
+          <a:effectRef idx="0">
+            <a:schemeClr val="accent1"/>
+          </a:effectRef>
+          <a:fontRef idx="minor">
+            <a:schemeClr val="tx1"/>
+          </a:fontRef>
+        </p:style>
+      </p:cxnSp>
+      <p:cxnSp>
+        <p:nvCxnSpPr>
+          <p:cNvPr id="45" name="Straight Connector 44"/>
+          <p:cNvCxnSpPr/>
+          <p:nvPr/>
+        </p:nvCxnSpPr>
+        <p:spPr>
+          <a:xfrm flipH="1" flipV="1">
+            <a:off x="1570328" y="3541478"/>
+            <a:ext cx="2520000" cy="0"/>
+          </a:xfrm>
+          <a:prstGeom prst="line">
+            <a:avLst/>
+          </a:prstGeom>
+          <a:ln w="76200">
+            <a:solidFill>
+              <a:schemeClr val="tx1"/>
+            </a:solidFill>
+          </a:ln>
+        </p:spPr>
+        <p:style>
+          <a:lnRef idx="1">
+            <a:schemeClr val="accent1"/>
+          </a:lnRef>
+          <a:fillRef idx="0">
+            <a:schemeClr val="accent1"/>
+          </a:fillRef>
+          <a:effectRef idx="0">
+            <a:schemeClr val="accent1"/>
+          </a:effectRef>
+          <a:fontRef idx="minor">
+            <a:schemeClr val="tx1"/>
+          </a:fontRef>
+        </p:style>
+      </p:cxnSp>
+      <p:cxnSp>
+        <p:nvCxnSpPr>
+          <p:cNvPr id="46" name="Straight Connector 45"/>
+          <p:cNvCxnSpPr/>
+          <p:nvPr/>
+        </p:nvCxnSpPr>
+        <p:spPr>
+          <a:xfrm flipH="1" flipV="1">
+            <a:off x="1570328" y="4202612"/>
+            <a:ext cx="2520000" cy="0"/>
+          </a:xfrm>
+          <a:prstGeom prst="line">
+            <a:avLst/>
+          </a:prstGeom>
+          <a:ln w="76200">
+            <a:solidFill>
+              <a:schemeClr val="accent4">
+                <a:lumMod val="75000"/>
+              </a:schemeClr>
+            </a:solidFill>
+          </a:ln>
+        </p:spPr>
+        <p:style>
+          <a:lnRef idx="1">
+            <a:schemeClr val="accent1"/>
+          </a:lnRef>
+          <a:fillRef idx="0">
+            <a:schemeClr val="accent1"/>
+          </a:fillRef>
+          <a:effectRef idx="0">
+            <a:schemeClr val="accent1"/>
+          </a:effectRef>
+          <a:fontRef idx="minor">
+            <a:schemeClr val="tx1"/>
+          </a:fontRef>
+        </p:style>
+      </p:cxnSp>
+      <p:sp>
+        <p:nvSpPr>
+          <p:cNvPr id="47" name="TextBox 46"/>
+          <p:cNvSpPr txBox="1"/>
+          <p:nvPr/>
+        </p:nvSpPr>
+        <p:spPr>
+          <a:xfrm>
+            <a:off x="1427610" y="3041283"/>
+            <a:ext cx="797013" cy="369332"/>
+          </a:xfrm>
+          <a:prstGeom prst="rect">
+            <a:avLst/>
+          </a:prstGeom>
+          <a:noFill/>
+        </p:spPr>
+        <p:txBody>
+          <a:bodyPr wrap="none" rtlCol="0">
+            <a:spAutoFit/>
+          </a:bodyPr>
+          <a:lstStyle/>
+          <a:p>
+            <a:r>
+              <a:rPr lang="en-US" dirty="0" smtClean="0"/>
+              <a:t>PIN 13</a:t>
+            </a:r>
+            <a:endParaRPr lang="en-US" dirty="0"/>
+          </a:p>
+        </p:txBody>
+      </p:sp>
+      <p:sp>
+        <p:nvSpPr>
+          <p:cNvPr id="48" name="TextBox 47"/>
+          <p:cNvSpPr txBox="1"/>
+          <p:nvPr/>
+        </p:nvSpPr>
+        <p:spPr>
+          <a:xfrm>
+            <a:off x="1431875" y="4168992"/>
+            <a:ext cx="797013" cy="369332"/>
+          </a:xfrm>
+          <a:prstGeom prst="rect">
+            <a:avLst/>
+          </a:prstGeom>
+          <a:noFill/>
+        </p:spPr>
+        <p:txBody>
+          <a:bodyPr wrap="none" rtlCol="0">
+            <a:spAutoFit/>
+          </a:bodyPr>
+          <a:lstStyle/>
+          <a:p>
+            <a:r>
+              <a:rPr lang="en-US" dirty="0" smtClean="0"/>
+              <a:t>PIN 21</a:t>
+            </a:r>
+            <a:endParaRPr lang="en-US" dirty="0"/>
+          </a:p>
+        </p:txBody>
+      </p:sp>
+      <p:sp>
+        <p:nvSpPr>
+          <p:cNvPr id="49" name="Rounded Rectangle 48"/>
+          <p:cNvSpPr/>
+          <p:nvPr/>
+        </p:nvSpPr>
+        <p:spPr>
+          <a:xfrm>
+            <a:off x="4082142" y="2808514"/>
+            <a:ext cx="1440000" cy="1800000"/>
+          </a:xfrm>
+          <a:prstGeom prst="roundRect">
+            <a:avLst/>
+          </a:prstGeom>
+        </p:spPr>
+        <p:style>
+          <a:lnRef idx="0">
+            <a:schemeClr val="accent2"/>
+          </a:lnRef>
+          <a:fillRef idx="3">
+            <a:schemeClr val="accent2"/>
+          </a:fillRef>
+          <a:effectRef idx="3">
+            <a:schemeClr val="accent2"/>
+          </a:effectRef>
+          <a:fontRef idx="minor">
+            <a:schemeClr val="lt1"/>
+          </a:fontRef>
+        </p:style>
+        <p:txBody>
+          <a:bodyPr rtlCol="0" anchor="ctr"/>
+          <a:lstStyle/>
+          <a:p>
+            <a:pPr algn="ctr"/>
+            <a:r>
+              <a:rPr lang="en-US" dirty="0" smtClean="0"/>
+              <a:t>L298N</a:t>
+            </a:r>
+            <a:endParaRPr lang="en-US" dirty="0"/>
+          </a:p>
+        </p:txBody>
+      </p:sp>
+      <p:sp>
+        <p:nvSpPr>
+          <p:cNvPr id="50" name="Rounded Rectangle 49"/>
+          <p:cNvSpPr/>
+          <p:nvPr/>
+        </p:nvSpPr>
+        <p:spPr>
+          <a:xfrm>
+            <a:off x="4082142" y="838199"/>
+            <a:ext cx="1440000" cy="1800000"/>
+          </a:xfrm>
+          <a:prstGeom prst="roundRect">
+            <a:avLst/>
+          </a:prstGeom>
+        </p:spPr>
+        <p:style>
+          <a:lnRef idx="0">
+            <a:schemeClr val="accent2"/>
+          </a:lnRef>
+          <a:fillRef idx="3">
+            <a:schemeClr val="accent2"/>
+          </a:fillRef>
+          <a:effectRef idx="3">
+            <a:schemeClr val="accent2"/>
+          </a:effectRef>
+          <a:fontRef idx="minor">
+            <a:schemeClr val="lt1"/>
+          </a:fontRef>
+        </p:style>
+        <p:txBody>
+          <a:bodyPr rtlCol="0" anchor="ctr"/>
+          <a:lstStyle/>
+          <a:p>
+            <a:pPr algn="ctr"/>
+            <a:r>
+              <a:rPr lang="en-US" dirty="0" smtClean="0"/>
+              <a:t>L298N</a:t>
+            </a:r>
+            <a:endParaRPr lang="en-US" dirty="0"/>
+          </a:p>
+        </p:txBody>
+      </p:sp>
+      <p:sp>
+        <p:nvSpPr>
+          <p:cNvPr id="51" name="TextBox 50"/>
+          <p:cNvSpPr txBox="1"/>
+          <p:nvPr/>
+        </p:nvSpPr>
+        <p:spPr>
+          <a:xfrm>
+            <a:off x="6054165" y="5509616"/>
+            <a:ext cx="548548" cy="369332"/>
+          </a:xfrm>
+          <a:prstGeom prst="rect">
+            <a:avLst/>
+          </a:prstGeom>
+          <a:noFill/>
+        </p:spPr>
+        <p:txBody>
+          <a:bodyPr wrap="none" rtlCol="0">
+            <a:spAutoFit/>
+          </a:bodyPr>
+          <a:lstStyle/>
+          <a:p>
+            <a:r>
+              <a:rPr lang="en-US" dirty="0" smtClean="0"/>
+              <a:t>+6V</a:t>
+            </a:r>
+            <a:endParaRPr lang="en-US" dirty="0"/>
+          </a:p>
+        </p:txBody>
+      </p:sp>
+      <p:sp>
+        <p:nvSpPr>
+          <p:cNvPr id="52" name="TextBox 51"/>
+          <p:cNvSpPr txBox="1"/>
+          <p:nvPr/>
+        </p:nvSpPr>
+        <p:spPr>
+          <a:xfrm>
+            <a:off x="6062783" y="5062053"/>
+            <a:ext cx="622286" cy="369332"/>
+          </a:xfrm>
+          <a:prstGeom prst="rect">
+            <a:avLst/>
+          </a:prstGeom>
+          <a:noFill/>
+        </p:spPr>
+        <p:txBody>
+          <a:bodyPr wrap="none" rtlCol="0">
+            <a:spAutoFit/>
+          </a:bodyPr>
+          <a:lstStyle/>
+          <a:p>
+            <a:r>
+              <a:rPr lang="en-US" smtClean="0"/>
+              <a:t>GND</a:t>
+            </a:r>
+            <a:endParaRPr lang="en-US" dirty="0"/>
+          </a:p>
+        </p:txBody>
+      </p:sp>
+      <p:sp>
+        <p:nvSpPr>
+          <p:cNvPr id="53" name="Rounded Rectangle 52"/>
+          <p:cNvSpPr/>
+          <p:nvPr/>
+        </p:nvSpPr>
+        <p:spPr>
+          <a:xfrm>
+            <a:off x="6764943" y="4733626"/>
+            <a:ext cx="1338944" cy="1415142"/>
+          </a:xfrm>
+          <a:prstGeom prst="roundRect">
+            <a:avLst/>
+          </a:prstGeom>
+        </p:spPr>
+        <p:style>
+          <a:lnRef idx="0">
+            <a:schemeClr val="dk1"/>
+          </a:lnRef>
+          <a:fillRef idx="3">
+            <a:schemeClr val="dk1"/>
+          </a:fillRef>
+          <a:effectRef idx="3">
+            <a:schemeClr val="dk1"/>
+          </a:effectRef>
+          <a:fontRef idx="minor">
+            <a:schemeClr val="lt1"/>
+          </a:fontRef>
+        </p:style>
+        <p:txBody>
+          <a:bodyPr rtlCol="0" anchor="ctr"/>
+          <a:lstStyle/>
+          <a:p>
+            <a:pPr algn="ctr"/>
+            <a:r>
+              <a:rPr lang="en-US" dirty="0" smtClean="0"/>
+              <a:t>Battery</a:t>
+            </a:r>
+            <a:endParaRPr lang="en-US" dirty="0"/>
+          </a:p>
+        </p:txBody>
+      </p:sp>
+      <p:sp>
+        <p:nvSpPr>
+          <p:cNvPr id="54" name="TextBox 53"/>
+          <p:cNvSpPr txBox="1"/>
+          <p:nvPr/>
+        </p:nvSpPr>
+        <p:spPr>
+          <a:xfrm>
+            <a:off x="7144146" y="891227"/>
+            <a:ext cx="1042208" cy="369332"/>
+          </a:xfrm>
+          <a:prstGeom prst="rect">
+            <a:avLst/>
+          </a:prstGeom>
+          <a:noFill/>
+        </p:spPr>
+        <p:txBody>
+          <a:bodyPr wrap="none" rtlCol="0">
+            <a:spAutoFit/>
+          </a:bodyPr>
+          <a:lstStyle/>
+          <a:p>
+            <a:r>
+              <a:rPr lang="en-US" dirty="0" smtClean="0"/>
+              <a:t>TOP LEFT</a:t>
+            </a:r>
+            <a:endParaRPr lang="en-US" dirty="0"/>
+          </a:p>
+        </p:txBody>
+      </p:sp>
+      <p:sp>
+        <p:nvSpPr>
+          <p:cNvPr id="55" name="TextBox 54"/>
+          <p:cNvSpPr txBox="1"/>
+          <p:nvPr/>
+        </p:nvSpPr>
+        <p:spPr>
+          <a:xfrm>
+            <a:off x="6994043" y="1802981"/>
+            <a:ext cx="1199303" cy="369332"/>
+          </a:xfrm>
+          <a:prstGeom prst="rect">
+            <a:avLst/>
+          </a:prstGeom>
+          <a:noFill/>
+        </p:spPr>
+        <p:txBody>
+          <a:bodyPr wrap="none" rtlCol="0">
+            <a:spAutoFit/>
+          </a:bodyPr>
+          <a:lstStyle/>
+          <a:p>
+            <a:r>
+              <a:rPr lang="en-US" smtClean="0"/>
+              <a:t>TOP RIGHT</a:t>
+            </a:r>
+            <a:endParaRPr lang="en-US" dirty="0"/>
+          </a:p>
+        </p:txBody>
+      </p:sp>
+      <p:sp>
+        <p:nvSpPr>
+          <p:cNvPr id="56" name="TextBox 55"/>
+          <p:cNvSpPr txBox="1"/>
+          <p:nvPr/>
+        </p:nvSpPr>
+        <p:spPr>
+          <a:xfrm>
+            <a:off x="6679082" y="2954325"/>
+            <a:ext cx="1507272" cy="369332"/>
+          </a:xfrm>
+          <a:prstGeom prst="rect">
+            <a:avLst/>
+          </a:prstGeom>
+          <a:noFill/>
+        </p:spPr>
+        <p:txBody>
+          <a:bodyPr wrap="none" rtlCol="0">
+            <a:spAutoFit/>
+          </a:bodyPr>
+          <a:lstStyle/>
+          <a:p>
+            <a:r>
+              <a:rPr lang="en-US" dirty="0" smtClean="0"/>
+              <a:t>BOTTOM LEFT</a:t>
+            </a:r>
+            <a:endParaRPr lang="en-US" dirty="0"/>
+          </a:p>
+        </p:txBody>
+      </p:sp>
+      <p:sp>
+        <p:nvSpPr>
+          <p:cNvPr id="57" name="TextBox 56"/>
+          <p:cNvSpPr txBox="1"/>
+          <p:nvPr/>
+        </p:nvSpPr>
+        <p:spPr>
+          <a:xfrm>
+            <a:off x="6523826" y="3876718"/>
+            <a:ext cx="1664366" cy="369332"/>
+          </a:xfrm>
+          <a:prstGeom prst="rect">
+            <a:avLst/>
+          </a:prstGeom>
+          <a:noFill/>
+        </p:spPr>
+        <p:txBody>
+          <a:bodyPr wrap="none" rtlCol="0">
+            <a:spAutoFit/>
+          </a:bodyPr>
+          <a:lstStyle/>
+          <a:p>
+            <a:r>
+              <a:rPr lang="en-US" smtClean="0"/>
+              <a:t>BOTTOM RIGHT</a:t>
+            </a:r>
+            <a:endParaRPr lang="en-US" dirty="0"/>
+          </a:p>
+        </p:txBody>
+      </p:sp>
+      <p:sp>
+        <p:nvSpPr>
+          <p:cNvPr id="59" name="TextBox 58"/>
+          <p:cNvSpPr txBox="1"/>
+          <p:nvPr/>
+        </p:nvSpPr>
+        <p:spPr>
+          <a:xfrm rot="16200000">
+            <a:off x="119521" y="2575770"/>
+            <a:ext cx="2123851" cy="369332"/>
+          </a:xfrm>
+          <a:prstGeom prst="rect">
+            <a:avLst/>
+          </a:prstGeom>
+          <a:noFill/>
+        </p:spPr>
+        <p:txBody>
+          <a:bodyPr wrap="none" rtlCol="0">
+            <a:spAutoFit/>
+          </a:bodyPr>
+          <a:lstStyle/>
+          <a:p>
+            <a:r>
+              <a:rPr lang="en-US" dirty="0" smtClean="0"/>
+              <a:t>FROM RASPBERRY PI</a:t>
+            </a:r>
+            <a:endParaRPr lang="en-US" dirty="0"/>
+          </a:p>
+        </p:txBody>
+      </p:sp>
+    </p:spTree>
+    <p:extLst>
+      <p:ext uri="{BB962C8B-B14F-4D97-AF65-F5344CB8AC3E}">
+        <p14:creationId xmlns:p14="http://schemas.microsoft.com/office/powerpoint/2010/main" val="631518012"/>
+      </p:ext>
+    </p:extLst>
+  </p:cSld>
+  <p:clrMapOvr>
+    <a:masterClrMapping/>
+  </p:clrMapOvr>
+</p:sld>
+</file>
+
+<file path=ppt/slides/slide2.xml><?xml version="1.0" encoding="utf-8"?>
+<p:sld xmlns:a="http://schemas.openxmlformats.org/drawingml/2006/main" xmlns:r="http://schemas.openxmlformats.org/officeDocument/2006/relationships" xmlns:p="http://schemas.openxmlformats.org/presentationml/2006/main">
+  <p:cSld>
+    <p:spTree>
+      <p:nvGrpSpPr>
+        <p:cNvPr id="1" name=""/>
+        <p:cNvGrpSpPr/>
+        <p:nvPr/>
+      </p:nvGrpSpPr>
+      <p:grpSpPr>
+        <a:xfrm>
+          <a:off x="0" y="0"/>
+          <a:ext cx="0" cy="0"/>
+          <a:chOff x="0" y="0"/>
+          <a:chExt cx="0" cy="0"/>
+        </a:xfrm>
+      </p:grpSpPr>
       <p:sp>
         <p:nvSpPr>
           <p:cNvPr id="5" name="Cloud 4"/>
@@ -3295,11 +5247,7 @@
             </a:r>
             <a:r>
               <a:rPr lang="en-US" sz="1700" dirty="0" err="1" smtClean="0"/>
-              <a:t>mart_lighting.</a:t>
-            </a:r>
-            <a:r>
-              <a:rPr lang="en-US" sz="1700" dirty="0" err="1" smtClean="0"/>
-              <a:t>py</a:t>
+              <a:t>mart_lighting.py</a:t>
             </a:r>
             <a:endParaRPr lang="en-US" sz="1700" dirty="0"/>
           </a:p>
